--- a/答辩.pptx
+++ b/答辩.pptx
@@ -4931,24 +4931,22 @@
           <a:lstStyle/>
           <a:p>
             <a:r>
-              <a:rPr lang="zh-CN" altLang="en-US" sz="3000" b="1"/>
-              <a:t>隐马尔可夫模型（</a:t>
-            </a:r>
-            <a:r>
-              <a:rPr lang="en-US" altLang="zh-CN" sz="3000" b="1"/>
-              <a:t>HMM</a:t>
-            </a:r>
-            <a:r>
-              <a:rPr lang="zh-CN" altLang="en-US" sz="3000" b="1"/>
-              <a:t>）</a:t>
-            </a:r>
-            <a:br>
-              <a:rPr lang="zh-CN" altLang="en-US" sz="3000" b="1"/>
-            </a:br>
-            <a:r>
-              <a:rPr lang="zh-CN" altLang="en-US" sz="3000" b="1"/>
-              <a:t>在中文词性标注中的应用研究</a:t>
-            </a:r>
+              <a:rPr lang="en-US" altLang="zh-CN" sz="3000" b="1" dirty="0" smtClean="0"/>
+              <a:t>Hadoop</a:t>
+            </a:r>
+            <a:r>
+              <a:rPr lang="zh-CN" altLang="en-US" sz="3000" b="1" dirty="0" smtClean="0"/>
+              <a:t>与</a:t>
+            </a:r>
+            <a:r>
+              <a:rPr lang="en-US" altLang="zh-CN" sz="3000" b="1" dirty="0" smtClean="0"/>
+              <a:t>MPI</a:t>
+            </a:r>
+            <a:r>
+              <a:rPr lang="zh-CN" altLang="en-US" sz="3000" b="1" dirty="0" smtClean="0"/>
+              <a:t>技术性能比较分析研究</a:t>
+            </a:r>
+            <a:endParaRPr lang="zh-CN" altLang="en-US" sz="3000" b="1" dirty="0"/>
           </a:p>
         </p:txBody>
       </p:sp>
@@ -4978,13 +4976,42 @@
               </a:lnSpc>
             </a:pPr>
             <a:r>
-              <a:rPr lang="zh-CN" altLang="en-US" sz="2200" b="1">
+              <a:rPr lang="zh-CN" altLang="en-US" sz="2200" b="1" dirty="0">
                 <a:solidFill>
                   <a:schemeClr val="tx2"/>
                 </a:solidFill>
               </a:rPr>
-              <a:t>答辩人：    </a:t>
-            </a:r>
+              <a:t>答辩人</a:t>
+            </a:r>
+            <a:r>
+              <a:rPr lang="zh-CN" altLang="en-US" sz="2200" b="1" dirty="0" smtClean="0">
+                <a:solidFill>
+                  <a:schemeClr val="tx2"/>
+                </a:solidFill>
+              </a:rPr>
+              <a:t>：</a:t>
+            </a:r>
+            <a:r>
+              <a:rPr lang="zh-CN" altLang="en-US" sz="2200" b="1" dirty="0">
+                <a:solidFill>
+                  <a:schemeClr val="tx2"/>
+                </a:solidFill>
+              </a:rPr>
+              <a:t>蒋鑫</a:t>
+            </a:r>
+            <a:r>
+              <a:rPr lang="zh-CN" altLang="en-US" sz="2200" b="1" dirty="0" smtClean="0">
+                <a:solidFill>
+                  <a:schemeClr val="tx2"/>
+                </a:solidFill>
+              </a:rPr>
+              <a:t>    </a:t>
+            </a:r>
+            <a:endParaRPr lang="zh-CN" altLang="en-US" sz="2200" b="1" dirty="0">
+              <a:solidFill>
+                <a:schemeClr val="tx2"/>
+              </a:solidFill>
+            </a:endParaRPr>
           </a:p>
           <a:p>
             <a:pPr>
@@ -4993,13 +5020,26 @@
               </a:lnSpc>
             </a:pPr>
             <a:r>
-              <a:rPr lang="zh-CN" altLang="en-US" sz="2200" b="1">
+              <a:rPr lang="zh-CN" altLang="en-US" sz="2200" b="1" dirty="0">
                 <a:solidFill>
                   <a:schemeClr val="tx2"/>
                 </a:solidFill>
               </a:rPr>
               <a:t>指导老师： </a:t>
             </a:r>
+            <a:r>
+              <a:rPr lang="zh-CN" altLang="en-US" sz="2200" b="1" dirty="0" smtClean="0">
+                <a:solidFill>
+                  <a:schemeClr val="tx2"/>
+                </a:solidFill>
+              </a:rPr>
+              <a:t>周会群</a:t>
+            </a:r>
+            <a:endParaRPr lang="zh-CN" altLang="en-US" sz="2200" b="1" dirty="0">
+              <a:solidFill>
+                <a:schemeClr val="tx2"/>
+              </a:solidFill>
+            </a:endParaRPr>
           </a:p>
           <a:p>
             <a:pPr>
@@ -5007,7 +5047,7 @@
                 <a:spcPct val="90000"/>
               </a:lnSpc>
             </a:pPr>
-            <a:endParaRPr lang="en-US" altLang="zh-CN" sz="2400"/>
+            <a:endParaRPr lang="en-US" altLang="zh-CN" sz="2400" dirty="0"/>
           </a:p>
         </p:txBody>
       </p:sp>
@@ -5274,7 +5314,7 @@
           <a:graphicData uri="http://schemas.openxmlformats.org/presentationml/2006/ole">
             <mc:AlternateContent xmlns:mc="http://schemas.openxmlformats.org/markup-compatibility/2006">
               <mc:Choice xmlns:v="urn:schemas-microsoft-com:vml" Requires="v">
-                <p:oleObj spid="_x0000_s323593" r:id="rId3" imgW="2082800" imgH="419100" progId="Equation.DSMT4">
+                <p:oleObj spid="_x0000_s323597" r:id="rId3" imgW="2082800" imgH="419100" progId="Equation.DSMT4">
                   <p:embed/>
                 </p:oleObj>
               </mc:Choice>
@@ -5404,7 +5444,7 @@
           <a:graphicData uri="http://schemas.openxmlformats.org/presentationml/2006/ole">
             <mc:AlternateContent xmlns:mc="http://schemas.openxmlformats.org/markup-compatibility/2006">
               <mc:Choice xmlns:v="urn:schemas-microsoft-com:vml" Requires="v">
-                <p:oleObj spid="_x0000_s323594" r:id="rId5" imgW="2463800" imgH="419100" progId="Equation.DSMT4">
+                <p:oleObj spid="_x0000_s323598" r:id="rId5" imgW="2463800" imgH="419100" progId="Equation.DSMT4">
                   <p:embed/>
                 </p:oleObj>
               </mc:Choice>
@@ -6757,7 +6797,7 @@
           <a:bodyPr/>
           <a:lstStyle/>
           <a:p>
-            <a:endParaRPr lang="zh-CN" altLang="zh-CN"/>
+            <a:endParaRPr lang="zh-CN" altLang="zh-CN" dirty="0"/>
           </a:p>
         </p:txBody>
       </p:sp>
@@ -6786,7 +6826,7 @@
               <a:buNone/>
             </a:pPr>
             <a:r>
-              <a:rPr lang="zh-CN" altLang="en-US" sz="3600"/>
+              <a:rPr lang="zh-CN" altLang="en-US" sz="3600" dirty="0"/>
               <a:t>谢谢！</a:t>
             </a:r>
           </a:p>
@@ -6893,35 +6933,35 @@
           <a:lstStyle/>
           <a:p>
             <a:r>
-              <a:rPr lang="zh-CN" altLang="en-US" b="1"/>
+              <a:rPr lang="zh-CN" altLang="en-US" b="1" dirty="0"/>
               <a:t>词性标注概述</a:t>
             </a:r>
           </a:p>
           <a:p>
             <a:r>
-              <a:rPr lang="zh-CN" altLang="en-US" b="1"/>
+              <a:rPr lang="zh-CN" altLang="en-US" b="1" dirty="0"/>
               <a:t>隐马尔可夫模型概述</a:t>
             </a:r>
           </a:p>
           <a:p>
             <a:r>
-              <a:rPr lang="zh-CN" altLang="en-US" b="1"/>
+              <a:rPr lang="zh-CN" altLang="en-US" b="1" dirty="0"/>
               <a:t>实验介绍</a:t>
             </a:r>
           </a:p>
           <a:p>
             <a:r>
-              <a:rPr lang="zh-CN" altLang="en-US" b="1"/>
+              <a:rPr lang="zh-CN" altLang="en-US" b="1" dirty="0"/>
               <a:t>实验结果和分析</a:t>
             </a:r>
           </a:p>
           <a:p>
             <a:r>
-              <a:rPr lang="zh-CN" altLang="en-US" b="1"/>
+              <a:rPr lang="zh-CN" altLang="en-US" b="1" dirty="0"/>
               <a:t>总结</a:t>
             </a:r>
             <a:r>
-              <a:rPr lang="zh-CN" altLang="en-US"/>
+              <a:rPr lang="zh-CN" altLang="en-US" dirty="0"/>
               <a:t> </a:t>
             </a:r>
           </a:p>
@@ -6930,7 +6970,7 @@
               <a:buFont typeface="Wingdings" pitchFamily="2" charset="2"/>
               <a:buNone/>
             </a:pPr>
-            <a:endParaRPr lang="en-US" altLang="zh-CN" sz="2400"/>
+            <a:endParaRPr lang="en-US" altLang="zh-CN" sz="2400" dirty="0"/>
           </a:p>
         </p:txBody>
       </p:sp>

--- a/答辩.pptx
+++ b/答辩.pptx
@@ -12,16 +12,16 @@
     <p:sldId id="273" r:id="rId3"/>
     <p:sldId id="277" r:id="rId4"/>
     <p:sldId id="278" r:id="rId5"/>
-    <p:sldId id="274" r:id="rId6"/>
-    <p:sldId id="286" r:id="rId7"/>
-    <p:sldId id="281" r:id="rId8"/>
-    <p:sldId id="287" r:id="rId9"/>
-    <p:sldId id="275" r:id="rId10"/>
-    <p:sldId id="280" r:id="rId11"/>
-    <p:sldId id="276" r:id="rId12"/>
-    <p:sldId id="282" r:id="rId13"/>
-    <p:sldId id="283" r:id="rId14"/>
-    <p:sldId id="284" r:id="rId15"/>
+    <p:sldId id="292" r:id="rId6"/>
+    <p:sldId id="291" r:id="rId7"/>
+    <p:sldId id="274" r:id="rId8"/>
+    <p:sldId id="286" r:id="rId9"/>
+    <p:sldId id="281" r:id="rId10"/>
+    <p:sldId id="287" r:id="rId11"/>
+    <p:sldId id="275" r:id="rId12"/>
+    <p:sldId id="280" r:id="rId13"/>
+    <p:sldId id="276" r:id="rId14"/>
+    <p:sldId id="282" r:id="rId15"/>
     <p:sldId id="288" r:id="rId16"/>
     <p:sldId id="289" r:id="rId17"/>
     <p:sldId id="290" r:id="rId18"/>
@@ -902,7 +902,7 @@
             <a:fld id="{940D6A9B-73E1-4B0E-850B-24DD60CCEF49}" type="datetime1">
               <a:rPr lang="zh-CN" altLang="en-US"/>
               <a:pPr/>
-              <a:t>2015/6/6</a:t>
+              <a:t>2015/6/7</a:t>
             </a:fld>
             <a:endParaRPr lang="en-US" altLang="zh-CN"/>
           </a:p>
@@ -1460,7 +1460,7 @@
             <a:fld id="{553E243F-653B-46FA-BB29-AA2D301400F3}" type="datetime1">
               <a:rPr lang="zh-CN" altLang="en-US"/>
               <a:pPr/>
-              <a:t>2015/6/6</a:t>
+              <a:t>2015/6/7</a:t>
             </a:fld>
             <a:endParaRPr lang="en-US" altLang="zh-CN"/>
           </a:p>
@@ -1663,7 +1663,7 @@
             <a:fld id="{BC5A8354-A2DC-44E5-9FE0-E5DADBBA4686}" type="datetime1">
               <a:rPr lang="zh-CN" altLang="en-US"/>
               <a:pPr/>
-              <a:t>2015/6/6</a:t>
+              <a:t>2015/6/7</a:t>
             </a:fld>
             <a:endParaRPr lang="en-US" altLang="zh-CN"/>
           </a:p>
@@ -1856,7 +1856,7 @@
             <a:fld id="{52B0427A-FFE8-449F-BA58-F116173B98DF}" type="datetime1">
               <a:rPr lang="zh-CN" altLang="en-US"/>
               <a:pPr/>
-              <a:t>2015/6/6</a:t>
+              <a:t>2015/6/7</a:t>
             </a:fld>
             <a:endParaRPr lang="en-US" altLang="zh-CN"/>
           </a:p>
@@ -2071,7 +2071,7 @@
             <a:fld id="{59834EC6-4CFB-4D29-BE9A-28A448DF308D}" type="datetime1">
               <a:rPr lang="zh-CN" altLang="en-US"/>
               <a:pPr/>
-              <a:t>2015/6/6</a:t>
+              <a:t>2015/6/7</a:t>
             </a:fld>
             <a:endParaRPr lang="en-US" altLang="zh-CN"/>
           </a:p>
@@ -2382,7 +2382,7 @@
             <a:fld id="{0BBB44FA-3669-433C-95B0-096FEE321C90}" type="datetime1">
               <a:rPr lang="zh-CN" altLang="en-US"/>
               <a:pPr/>
-              <a:t>2015/6/6</a:t>
+              <a:t>2015/6/7</a:t>
             </a:fld>
             <a:endParaRPr lang="en-US" altLang="zh-CN"/>
           </a:p>
@@ -2832,7 +2832,7 @@
             <a:fld id="{AFF0E4AD-D653-46EA-BF63-907CF75819CC}" type="datetime1">
               <a:rPr lang="zh-CN" altLang="en-US"/>
               <a:pPr/>
-              <a:t>2015/6/6</a:t>
+              <a:t>2015/6/7</a:t>
             </a:fld>
             <a:endParaRPr lang="en-US" altLang="zh-CN"/>
           </a:p>
@@ -2973,7 +2973,7 @@
             <a:fld id="{6DC9A146-B7AC-4D9C-BB30-5E93E360007E}" type="datetime1">
               <a:rPr lang="zh-CN" altLang="en-US"/>
               <a:pPr/>
-              <a:t>2015/6/6</a:t>
+              <a:t>2015/6/7</a:t>
             </a:fld>
             <a:endParaRPr lang="en-US" altLang="zh-CN"/>
           </a:p>
@@ -3091,7 +3091,7 @@
             <a:fld id="{E0269B3A-D1CE-4DD6-BEFE-1B544D7E8824}" type="datetime1">
               <a:rPr lang="zh-CN" altLang="en-US"/>
               <a:pPr/>
-              <a:t>2015/6/6</a:t>
+              <a:t>2015/6/7</a:t>
             </a:fld>
             <a:endParaRPr lang="en-US" altLang="zh-CN"/>
           </a:p>
@@ -3391,7 +3391,7 @@
             <a:fld id="{7CEEDB04-E8C4-45F3-B46D-F212CB04941C}" type="datetime1">
               <a:rPr lang="zh-CN" altLang="en-US"/>
               <a:pPr/>
-              <a:t>2015/6/6</a:t>
+              <a:t>2015/6/7</a:t>
             </a:fld>
             <a:endParaRPr lang="en-US" altLang="zh-CN"/>
           </a:p>
@@ -3667,7 +3667,7 @@
             <a:fld id="{32D73378-AE04-42CB-8C9A-1A3A0F761098}" type="datetime1">
               <a:rPr lang="zh-CN" altLang="en-US"/>
               <a:pPr/>
-              <a:t>2015/6/6</a:t>
+              <a:t>2015/6/7</a:t>
             </a:fld>
             <a:endParaRPr lang="en-US" altLang="zh-CN"/>
           </a:p>
@@ -4159,7 +4159,7 @@
             <a:fld id="{5AD182F2-6C08-4E08-AF1A-1E2A34FD2B11}" type="datetime1">
               <a:rPr lang="zh-CN" altLang="en-US"/>
               <a:pPr/>
-              <a:t>2015/6/6</a:t>
+              <a:t>2015/6/7</a:t>
             </a:fld>
             <a:endParaRPr lang="en-US" altLang="zh-CN"/>
           </a:p>
@@ -4883,7 +4883,7 @@
             <a:fld id="{90A4A129-F132-4B71-9F99-C28F49F6C27A}" type="datetime1">
               <a:rPr lang="zh-CN" altLang="en-US"/>
               <a:pPr/>
-              <a:t>2015/6/6</a:t>
+              <a:t>2015/6/7</a:t>
             </a:fld>
             <a:endParaRPr lang="en-US" altLang="zh-CN"/>
           </a:p>
@@ -5088,6 +5088,344 @@
       </p:grpSpPr>
       <p:sp>
         <p:nvSpPr>
+          <p:cNvPr id="130" name="日期占位符 3"/>
+          <p:cNvSpPr>
+            <a:spLocks noGrp="1"/>
+          </p:cNvSpPr>
+          <p:nvPr>
+            <p:ph type="dt" sz="half" idx="10"/>
+          </p:nvPr>
+        </p:nvSpPr>
+        <p:spPr/>
+        <p:txBody>
+          <a:bodyPr/>
+          <a:lstStyle/>
+          <a:p>
+            <a:fld id="{4BACF019-925C-4245-B398-C76F8458DEFB}" type="datetime1">
+              <a:rPr lang="zh-CN" altLang="en-US"/>
+              <a:pPr/>
+              <a:t>2015/6/7</a:t>
+            </a:fld>
+            <a:endParaRPr lang="en-US" altLang="zh-CN"/>
+          </a:p>
+        </p:txBody>
+      </p:sp>
+      <p:sp>
+        <p:nvSpPr>
+          <p:cNvPr id="131" name="灯片编号占位符 5"/>
+          <p:cNvSpPr>
+            <a:spLocks noGrp="1"/>
+          </p:cNvSpPr>
+          <p:nvPr>
+            <p:ph type="sldNum" sz="quarter" idx="12"/>
+          </p:nvPr>
+        </p:nvSpPr>
+        <p:spPr/>
+        <p:txBody>
+          <a:bodyPr/>
+          <a:lstStyle/>
+          <a:p>
+            <a:fld id="{649D8FB4-E65B-4A33-AB96-0DAD930D9A77}" type="slidenum">
+              <a:rPr lang="en-US" altLang="zh-CN"/>
+              <a:pPr/>
+              <a:t>10</a:t>
+            </a:fld>
+            <a:endParaRPr lang="en-US" altLang="zh-CN"/>
+          </a:p>
+        </p:txBody>
+      </p:sp>
+      <p:sp>
+        <p:nvSpPr>
+          <p:cNvPr id="330754" name="Rectangle 2"/>
+          <p:cNvSpPr>
+            <a:spLocks noGrp="1" noChangeArrowheads="1"/>
+          </p:cNvSpPr>
+          <p:nvPr>
+            <p:ph type="title"/>
+          </p:nvPr>
+        </p:nvSpPr>
+        <p:spPr/>
+        <p:txBody>
+          <a:bodyPr/>
+          <a:lstStyle/>
+          <a:p>
+            <a:r>
+              <a:rPr lang="en-US" altLang="zh-CN" sz="2800" dirty="0"/>
+              <a:t>MPI I/O</a:t>
+            </a:r>
+            <a:r>
+              <a:rPr lang="zh-CN" altLang="zh-CN" sz="2800" dirty="0"/>
+              <a:t>时间与集群规模关系图</a:t>
+            </a:r>
+            <a:endParaRPr lang="en-US" altLang="zh-CN" sz="2800" b="1" dirty="0"/>
+          </a:p>
+        </p:txBody>
+      </p:sp>
+      <p:pic>
+        <p:nvPicPr>
+          <p:cNvPr id="3" name="Picture 2"/>
+          <p:cNvPicPr>
+            <a:picLocks noChangeAspect="1" noChangeArrowheads="1"/>
+          </p:cNvPicPr>
+          <p:nvPr/>
+        </p:nvPicPr>
+        <p:blipFill>
+          <a:blip r:embed="rId2">
+            <a:extLst>
+              <a:ext uri="{28A0092B-C50C-407E-A947-70E740481C1C}">
+                <a14:useLocalDpi xmlns:a14="http://schemas.microsoft.com/office/drawing/2010/main" val="0"/>
+              </a:ext>
+            </a:extLst>
+          </a:blip>
+          <a:srcRect/>
+          <a:stretch>
+            <a:fillRect/>
+          </a:stretch>
+        </p:blipFill>
+        <p:spPr bwMode="auto">
+          <a:xfrm>
+            <a:off x="755576" y="1311230"/>
+            <a:ext cx="7715834" cy="4638050"/>
+          </a:xfrm>
+          <a:prstGeom prst="rect">
+            <a:avLst/>
+          </a:prstGeom>
+          <a:noFill/>
+          <a:ln>
+            <a:noFill/>
+          </a:ln>
+          <a:effectLst/>
+          <a:extLst>
+            <a:ext uri="{909E8E84-426E-40DD-AFC4-6F175D3DCCD1}">
+              <a14:hiddenFill xmlns:a14="http://schemas.microsoft.com/office/drawing/2010/main">
+                <a:solidFill>
+                  <a:schemeClr val="accent1"/>
+                </a:solidFill>
+              </a14:hiddenFill>
+            </a:ext>
+            <a:ext uri="{91240B29-F687-4F45-9708-019B960494DF}">
+              <a14:hiddenLine xmlns:a14="http://schemas.microsoft.com/office/drawing/2010/main" w="9525">
+                <a:solidFill>
+                  <a:schemeClr val="tx1"/>
+                </a:solidFill>
+                <a:miter lim="800000"/>
+                <a:headEnd/>
+                <a:tailEnd/>
+              </a14:hiddenLine>
+            </a:ext>
+            <a:ext uri="{AF507438-7753-43E0-B8FC-AC1667EBCBE1}">
+              <a14:hiddenEffects xmlns:a14="http://schemas.microsoft.com/office/drawing/2010/main">
+                <a:effectLst>
+                  <a:outerShdw dist="35921" dir="2700000" algn="ctr" rotWithShape="0">
+                    <a:schemeClr val="bg2"/>
+                  </a:outerShdw>
+                </a:effectLst>
+              </a14:hiddenEffects>
+            </a:ext>
+          </a:extLst>
+        </p:spPr>
+      </p:pic>
+    </p:spTree>
+  </p:cSld>
+  <p:clrMapOvr>
+    <a:masterClrMapping/>
+  </p:clrMapOvr>
+  <p:timing>
+    <p:tnLst>
+      <p:par>
+        <p:cTn id="1" dur="indefinite" restart="never" nodeType="tmRoot"/>
+      </p:par>
+    </p:tnLst>
+  </p:timing>
+</p:sld>
+</file>
+
+<file path=ppt/slides/slide11.xml><?xml version="1.0" encoding="utf-8"?>
+<p:sld xmlns:a="http://schemas.openxmlformats.org/drawingml/2006/main" xmlns:r="http://schemas.openxmlformats.org/officeDocument/2006/relationships" xmlns:p="http://schemas.openxmlformats.org/presentationml/2006/main">
+  <p:cSld>
+    <p:spTree>
+      <p:nvGrpSpPr>
+        <p:cNvPr id="1" name=""/>
+        <p:cNvGrpSpPr/>
+        <p:nvPr/>
+      </p:nvGrpSpPr>
+      <p:grpSpPr>
+        <a:xfrm>
+          <a:off x="0" y="0"/>
+          <a:ext cx="0" cy="0"/>
+          <a:chOff x="0" y="0"/>
+          <a:chExt cx="0" cy="0"/>
+        </a:xfrm>
+      </p:grpSpPr>
+      <p:sp>
+        <p:nvSpPr>
+          <p:cNvPr id="4" name="日期占位符 3"/>
+          <p:cNvSpPr>
+            <a:spLocks noGrp="1"/>
+          </p:cNvSpPr>
+          <p:nvPr>
+            <p:ph type="dt" sz="half" idx="10"/>
+          </p:nvPr>
+        </p:nvSpPr>
+        <p:spPr/>
+        <p:txBody>
+          <a:bodyPr/>
+          <a:lstStyle/>
+          <a:p>
+            <a:fld id="{18FE0DB4-9072-46A0-9A44-4851BFC74ECF}" type="datetime1">
+              <a:rPr lang="zh-CN" altLang="en-US"/>
+              <a:pPr/>
+              <a:t>2015/6/7</a:t>
+            </a:fld>
+            <a:endParaRPr lang="en-US" altLang="zh-CN"/>
+          </a:p>
+        </p:txBody>
+      </p:sp>
+      <p:sp>
+        <p:nvSpPr>
+          <p:cNvPr id="5" name="灯片编号占位符 5"/>
+          <p:cNvSpPr>
+            <a:spLocks noGrp="1"/>
+          </p:cNvSpPr>
+          <p:nvPr>
+            <p:ph type="sldNum" sz="quarter" idx="12"/>
+          </p:nvPr>
+        </p:nvSpPr>
+        <p:spPr/>
+        <p:txBody>
+          <a:bodyPr/>
+          <a:lstStyle/>
+          <a:p>
+            <a:fld id="{7813917D-4DBC-4DC1-829B-E9F138805735}" type="slidenum">
+              <a:rPr lang="en-US" altLang="zh-CN"/>
+              <a:pPr/>
+              <a:t>11</a:t>
+            </a:fld>
+            <a:endParaRPr lang="en-US" altLang="zh-CN"/>
+          </a:p>
+        </p:txBody>
+      </p:sp>
+      <p:sp>
+        <p:nvSpPr>
+          <p:cNvPr id="318466" name="Rectangle 2"/>
+          <p:cNvSpPr>
+            <a:spLocks noGrp="1" noChangeArrowheads="1"/>
+          </p:cNvSpPr>
+          <p:nvPr>
+            <p:ph type="title"/>
+          </p:nvPr>
+        </p:nvSpPr>
+        <p:spPr/>
+        <p:txBody>
+          <a:bodyPr/>
+          <a:lstStyle/>
+          <a:p>
+            <a:r>
+              <a:rPr lang="zh-CN" altLang="zh-CN" sz="2800" dirty="0"/>
+              <a:t>计算时间与计算精度关系图</a:t>
+            </a:r>
+            <a:endParaRPr lang="zh-CN" altLang="en-US" sz="2800" b="1" dirty="0"/>
+          </a:p>
+        </p:txBody>
+      </p:sp>
+      <p:pic>
+        <p:nvPicPr>
+          <p:cNvPr id="331778" name="Picture 2"/>
+          <p:cNvPicPr>
+            <a:picLocks noChangeAspect="1" noChangeArrowheads="1"/>
+          </p:cNvPicPr>
+          <p:nvPr/>
+        </p:nvPicPr>
+        <p:blipFill>
+          <a:blip r:embed="rId2">
+            <a:extLst>
+              <a:ext uri="{28A0092B-C50C-407E-A947-70E740481C1C}">
+                <a14:useLocalDpi xmlns:a14="http://schemas.microsoft.com/office/drawing/2010/main" val="0"/>
+              </a:ext>
+            </a:extLst>
+          </a:blip>
+          <a:srcRect/>
+          <a:stretch>
+            <a:fillRect/>
+          </a:stretch>
+        </p:blipFill>
+        <p:spPr bwMode="auto">
+          <a:xfrm>
+            <a:off x="539552" y="1267946"/>
+            <a:ext cx="7668050" cy="4609326"/>
+          </a:xfrm>
+          <a:prstGeom prst="rect">
+            <a:avLst/>
+          </a:prstGeom>
+          <a:noFill/>
+          <a:ln>
+            <a:noFill/>
+          </a:ln>
+          <a:effectLst/>
+          <a:extLst>
+            <a:ext uri="{909E8E84-426E-40DD-AFC4-6F175D3DCCD1}">
+              <a14:hiddenFill xmlns:a14="http://schemas.microsoft.com/office/drawing/2010/main">
+                <a:solidFill>
+                  <a:schemeClr val="accent1"/>
+                </a:solidFill>
+              </a14:hiddenFill>
+            </a:ext>
+            <a:ext uri="{91240B29-F687-4F45-9708-019B960494DF}">
+              <a14:hiddenLine xmlns:a14="http://schemas.microsoft.com/office/drawing/2010/main" w="9525">
+                <a:solidFill>
+                  <a:schemeClr val="tx1"/>
+                </a:solidFill>
+                <a:miter lim="800000"/>
+                <a:headEnd/>
+                <a:tailEnd/>
+              </a14:hiddenLine>
+            </a:ext>
+            <a:ext uri="{AF507438-7753-43E0-B8FC-AC1667EBCBE1}">
+              <a14:hiddenEffects xmlns:a14="http://schemas.microsoft.com/office/drawing/2010/main">
+                <a:effectLst>
+                  <a:outerShdw dist="35921" dir="2700000" algn="ctr" rotWithShape="0">
+                    <a:schemeClr val="bg2"/>
+                  </a:outerShdw>
+                </a:effectLst>
+              </a14:hiddenEffects>
+            </a:ext>
+          </a:extLst>
+        </p:spPr>
+      </p:pic>
+    </p:spTree>
+  </p:cSld>
+  <p:clrMapOvr>
+    <a:masterClrMapping/>
+  </p:clrMapOvr>
+  <p:timing>
+    <p:tnLst>
+      <p:par>
+        <p:cTn id="1" dur="indefinite" restart="never" nodeType="tmRoot"/>
+      </p:par>
+    </p:tnLst>
+  </p:timing>
+</p:sld>
+</file>
+
+<file path=ppt/slides/slide12.xml><?xml version="1.0" encoding="utf-8"?>
+<p:sld xmlns:a="http://schemas.openxmlformats.org/drawingml/2006/main" xmlns:r="http://schemas.openxmlformats.org/officeDocument/2006/relationships" xmlns:p="http://schemas.openxmlformats.org/presentationml/2006/main">
+  <p:cSld>
+    <p:spTree>
+      <p:nvGrpSpPr>
+        <p:cNvPr id="1" name=""/>
+        <p:cNvGrpSpPr/>
+        <p:nvPr/>
+      </p:nvGrpSpPr>
+      <p:grpSpPr>
+        <a:xfrm>
+          <a:off x="0" y="0"/>
+          <a:ext cx="0" cy="0"/>
+          <a:chOff x="0" y="0"/>
+          <a:chExt cx="0" cy="0"/>
+        </a:xfrm>
+      </p:grpSpPr>
+      <p:sp>
+        <p:nvSpPr>
           <p:cNvPr id="8" name="日期占位符 3"/>
           <p:cNvSpPr>
             <a:spLocks noGrp="1"/>
@@ -5104,7 +5442,7 @@
             <a:fld id="{82DED985-8E87-4F56-A295-568AF073D0BB}" type="datetime1">
               <a:rPr lang="zh-CN" altLang="en-US"/>
               <a:pPr/>
-              <a:t>2015/6/6</a:t>
+              <a:t>2015/6/7</a:t>
             </a:fld>
             <a:endParaRPr lang="en-US" altLang="zh-CN"/>
           </a:p>
@@ -5128,7 +5466,7 @@
             <a:fld id="{F4344959-D9EA-475C-A3D2-26C8718FEDD5}" type="slidenum">
               <a:rPr lang="en-US" altLang="zh-CN"/>
               <a:pPr/>
-              <a:t>10</a:t>
+              <a:t>12</a:t>
             </a:fld>
             <a:endParaRPr lang="en-US" altLang="zh-CN"/>
           </a:p>
@@ -5424,7 +5762,7 @@
 </p:sld>
 </file>
 
-<file path=ppt/slides/slide11.xml><?xml version="1.0" encoding="utf-8"?>
+<file path=ppt/slides/slide13.xml><?xml version="1.0" encoding="utf-8"?>
 <p:sld xmlns:a="http://schemas.openxmlformats.org/drawingml/2006/main" xmlns:r="http://schemas.openxmlformats.org/officeDocument/2006/relationships" xmlns:p="http://schemas.openxmlformats.org/presentationml/2006/main">
   <p:cSld>
     <p:spTree>
@@ -5459,7 +5797,7 @@
             <a:fld id="{31C7C87D-CFAB-42C3-B7BA-7D6D8E2710CE}" type="datetime1">
               <a:rPr lang="zh-CN" altLang="en-US"/>
               <a:pPr/>
-              <a:t>2015/6/6</a:t>
+              <a:t>2015/6/7</a:t>
             </a:fld>
             <a:endParaRPr lang="en-US" altLang="zh-CN"/>
           </a:p>
@@ -5483,7 +5821,7 @@
             <a:fld id="{A18FD2A0-C321-49C8-A2D3-949A722E5763}" type="slidenum">
               <a:rPr lang="en-US" altLang="zh-CN"/>
               <a:pPr/>
-              <a:t>11</a:t>
+              <a:t>13</a:t>
             </a:fld>
             <a:endParaRPr lang="en-US" altLang="zh-CN"/>
           </a:p>
@@ -5591,7 +5929,7 @@
 </p:sld>
 </file>
 
-<file path=ppt/slides/slide12.xml><?xml version="1.0" encoding="utf-8"?>
+<file path=ppt/slides/slide14.xml><?xml version="1.0" encoding="utf-8"?>
 <p:sld xmlns:a="http://schemas.openxmlformats.org/drawingml/2006/main" xmlns:r="http://schemas.openxmlformats.org/officeDocument/2006/relationships" xmlns:p="http://schemas.openxmlformats.org/presentationml/2006/main">
   <p:cSld>
     <p:spTree>
@@ -5626,7 +5964,7 @@
             <a:fld id="{8402EC66-1B9C-4C8B-A9C2-180EB5798D03}" type="datetime1">
               <a:rPr lang="zh-CN" altLang="en-US"/>
               <a:pPr/>
-              <a:t>2015/6/6</a:t>
+              <a:t>2015/6/7</a:t>
             </a:fld>
             <a:endParaRPr lang="en-US" altLang="zh-CN"/>
           </a:p>
@@ -5650,7 +5988,7 @@
             <a:fld id="{ACA2DFE8-512E-405F-954B-BD3E4F6CDE5A}" type="slidenum">
               <a:rPr lang="en-US" altLang="zh-CN"/>
               <a:pPr/>
-              <a:t>12</a:t>
+              <a:t>14</a:t>
             </a:fld>
             <a:endParaRPr lang="en-US" altLang="zh-CN"/>
           </a:p>
@@ -5767,449 +6105,6 @@
 </p:sld>
 </file>
 
-<file path=ppt/slides/slide13.xml><?xml version="1.0" encoding="utf-8"?>
-<p:sld xmlns:a="http://schemas.openxmlformats.org/drawingml/2006/main" xmlns:r="http://schemas.openxmlformats.org/officeDocument/2006/relationships" xmlns:p="http://schemas.openxmlformats.org/presentationml/2006/main">
-  <p:cSld>
-    <p:spTree>
-      <p:nvGrpSpPr>
-        <p:cNvPr id="1" name=""/>
-        <p:cNvGrpSpPr/>
-        <p:nvPr/>
-      </p:nvGrpSpPr>
-      <p:grpSpPr>
-        <a:xfrm>
-          <a:off x="0" y="0"/>
-          <a:ext cx="0" cy="0"/>
-          <a:chOff x="0" y="0"/>
-          <a:chExt cx="0" cy="0"/>
-        </a:xfrm>
-      </p:grpSpPr>
-      <p:sp>
-        <p:nvSpPr>
-          <p:cNvPr id="4" name="日期占位符 3"/>
-          <p:cNvSpPr>
-            <a:spLocks noGrp="1"/>
-          </p:cNvSpPr>
-          <p:nvPr>
-            <p:ph type="dt" sz="half" idx="10"/>
-          </p:nvPr>
-        </p:nvSpPr>
-        <p:spPr/>
-        <p:txBody>
-          <a:bodyPr/>
-          <a:lstStyle/>
-          <a:p>
-            <a:fld id="{0A845B43-36D5-4463-9E75-EDE2813EB621}" type="datetime1">
-              <a:rPr lang="zh-CN" altLang="en-US"/>
-              <a:pPr/>
-              <a:t>2015/6/6</a:t>
-            </a:fld>
-            <a:endParaRPr lang="en-US" altLang="zh-CN"/>
-          </a:p>
-        </p:txBody>
-      </p:sp>
-      <p:sp>
-        <p:nvSpPr>
-          <p:cNvPr id="5" name="灯片编号占位符 5"/>
-          <p:cNvSpPr>
-            <a:spLocks noGrp="1"/>
-          </p:cNvSpPr>
-          <p:nvPr>
-            <p:ph type="sldNum" sz="quarter" idx="12"/>
-          </p:nvPr>
-        </p:nvSpPr>
-        <p:spPr/>
-        <p:txBody>
-          <a:bodyPr/>
-          <a:lstStyle/>
-          <a:p>
-            <a:fld id="{9DAD440E-BFC0-4C0D-94C2-167DC64315A5}" type="slidenum">
-              <a:rPr lang="en-US" altLang="zh-CN"/>
-              <a:pPr/>
-              <a:t>13</a:t>
-            </a:fld>
-            <a:endParaRPr lang="en-US" altLang="zh-CN"/>
-          </a:p>
-        </p:txBody>
-      </p:sp>
-      <p:sp>
-        <p:nvSpPr>
-          <p:cNvPr id="326658" name="Rectangle 2"/>
-          <p:cNvSpPr>
-            <a:spLocks noGrp="1" noChangeArrowheads="1"/>
-          </p:cNvSpPr>
-          <p:nvPr>
-            <p:ph type="title"/>
-          </p:nvPr>
-        </p:nvSpPr>
-        <p:spPr/>
-        <p:txBody>
-          <a:bodyPr/>
-          <a:lstStyle/>
-          <a:p>
-            <a:r>
-              <a:rPr lang="zh-CN" altLang="en-US" sz="2800" b="1"/>
-              <a:t>实验结果和分析</a:t>
-            </a:r>
-            <a:r>
-              <a:rPr lang="en-US" altLang="zh-CN" sz="2800" b="1"/>
-              <a:t>(cont..)</a:t>
-            </a:r>
-          </a:p>
-        </p:txBody>
-      </p:sp>
-      <p:sp>
-        <p:nvSpPr>
-          <p:cNvPr id="326659" name="Rectangle 3"/>
-          <p:cNvSpPr>
-            <a:spLocks noGrp="1" noChangeArrowheads="1"/>
-          </p:cNvSpPr>
-          <p:nvPr>
-            <p:ph type="body" idx="1"/>
-          </p:nvPr>
-        </p:nvSpPr>
-        <p:spPr/>
-        <p:txBody>
-          <a:bodyPr/>
-          <a:lstStyle/>
-          <a:p>
-            <a:pPr lvl="1"/>
-            <a:r>
-              <a:rPr lang="zh-CN" altLang="en-US" b="1"/>
-              <a:t>错误：</a:t>
-            </a:r>
-            <a:r>
-              <a:rPr lang="zh-CN" altLang="en-US"/>
-              <a:t>“由于”的介词词性</a:t>
-            </a:r>
-            <a:r>
-              <a:rPr lang="en-US" altLang="zh-CN"/>
-              <a:t>p</a:t>
-            </a:r>
-            <a:r>
-              <a:rPr lang="zh-CN" altLang="en-US"/>
-              <a:t>错误标成了连词词性</a:t>
-            </a:r>
-            <a:r>
-              <a:rPr lang="en-US" altLang="zh-CN"/>
-              <a:t>c</a:t>
-            </a:r>
-            <a:r>
-              <a:rPr lang="zh-CN" altLang="en-US"/>
-              <a:t>。</a:t>
-            </a:r>
-          </a:p>
-          <a:p>
-            <a:pPr lvl="1"/>
-            <a:r>
-              <a:rPr lang="zh-CN" altLang="en-US" b="1"/>
-              <a:t>分析：</a:t>
-            </a:r>
-            <a:r>
-              <a:rPr lang="zh-CN" altLang="en-US"/>
-              <a:t>跟踪发现“由于”的前一个词“，”只能被标为</a:t>
-            </a:r>
-            <a:r>
-              <a:rPr lang="en-US" altLang="zh-CN"/>
-              <a:t>w</a:t>
-            </a:r>
-            <a:r>
-              <a:rPr lang="zh-CN" altLang="en-US"/>
-              <a:t>。根据</a:t>
-            </a:r>
-            <a:r>
-              <a:rPr lang="en-US" altLang="zh-CN"/>
-              <a:t>Viterbi</a:t>
-            </a:r>
-            <a:r>
-              <a:rPr lang="zh-CN" altLang="en-US"/>
-              <a:t>算法，下面将计算由</a:t>
-            </a:r>
-            <a:r>
-              <a:rPr lang="en-US" altLang="zh-CN"/>
-              <a:t>w</a:t>
-            </a:r>
-            <a:r>
-              <a:rPr lang="zh-CN" altLang="en-US"/>
-              <a:t>到下一词性并发射单词“由于”的概率。“由于”的可能词性有三个，分别是</a:t>
-            </a:r>
-            <a:r>
-              <a:rPr lang="en-US" altLang="zh-CN"/>
-              <a:t>p</a:t>
-            </a:r>
-            <a:r>
-              <a:rPr lang="zh-CN" altLang="en-US"/>
-              <a:t>、</a:t>
-            </a:r>
-            <a:r>
-              <a:rPr lang="en-US" altLang="zh-CN"/>
-              <a:t>c</a:t>
-            </a:r>
-            <a:r>
-              <a:rPr lang="zh-CN" altLang="en-US"/>
-              <a:t>、</a:t>
-            </a:r>
-            <a:r>
-              <a:rPr lang="en-US" altLang="zh-CN"/>
-              <a:t>d</a:t>
-            </a:r>
-            <a:r>
-              <a:rPr lang="zh-CN" altLang="en-US"/>
-              <a:t>，相关概率的对数值如下： </a:t>
-            </a:r>
-          </a:p>
-          <a:p>
-            <a:pPr lvl="2"/>
-            <a:r>
-              <a:rPr lang="zh-CN" altLang="en-US"/>
-              <a:t>	</a:t>
-            </a:r>
-            <a:r>
-              <a:rPr lang="en-US" altLang="zh-CN"/>
-              <a:t>w:-11.3986</a:t>
-            </a:r>
-          </a:p>
-          <a:p>
-            <a:pPr lvl="2"/>
-            <a:r>
-              <a:rPr lang="en-US" altLang="zh-CN"/>
-              <a:t>	w-&gt;p:-2.5839      w-&gt;c:-2.8842       w-&gt;d:-2.6353</a:t>
-            </a:r>
-          </a:p>
-          <a:p>
-            <a:pPr lvl="2"/>
-            <a:r>
-              <a:rPr lang="en-US" altLang="zh-CN"/>
-              <a:t>	p-&gt;</a:t>
-            </a:r>
-            <a:r>
-              <a:rPr lang="zh-CN" altLang="en-US"/>
-              <a:t>由于</a:t>
-            </a:r>
-            <a:r>
-              <a:rPr lang="en-US" altLang="zh-CN"/>
-              <a:t>:-5.3571  c-&gt;</a:t>
-            </a:r>
-            <a:r>
-              <a:rPr lang="zh-CN" altLang="en-US"/>
-              <a:t>由于</a:t>
-            </a:r>
-            <a:r>
-              <a:rPr lang="en-US" altLang="zh-CN"/>
-              <a:t>:-4.6158 d-&gt;</a:t>
-            </a:r>
-            <a:r>
-              <a:rPr lang="zh-CN" altLang="en-US"/>
-              <a:t>由于</a:t>
-            </a:r>
-            <a:r>
-              <a:rPr lang="en-US" altLang="zh-CN"/>
-              <a:t>:-11.7821</a:t>
-            </a:r>
-          </a:p>
-          <a:p>
-            <a:pPr lvl="2"/>
-            <a:r>
-              <a:rPr lang="en-US" altLang="zh-CN"/>
-              <a:t>	p:-19.3397	  c:-18.8987	  d:-25.8160</a:t>
-            </a:r>
-          </a:p>
-          <a:p>
-            <a:pPr lvl="1"/>
-            <a:r>
-              <a:rPr lang="zh-CN" altLang="en-US" b="1"/>
-              <a:t>结论</a:t>
-            </a:r>
-            <a:r>
-              <a:rPr lang="zh-CN" altLang="en-US" sz="2800" b="1"/>
-              <a:t>：</a:t>
-            </a:r>
-            <a:r>
-              <a:rPr lang="zh-CN" altLang="en-US"/>
-              <a:t>遇到概率差小于某个常数临界值的时候，可以考虑用一些其它的方法（如简单规则等）进行判定。 </a:t>
-            </a:r>
-          </a:p>
-        </p:txBody>
-      </p:sp>
-    </p:spTree>
-  </p:cSld>
-  <p:clrMapOvr>
-    <a:masterClrMapping/>
-  </p:clrMapOvr>
-  <p:timing>
-    <p:tnLst>
-      <p:par>
-        <p:cTn id="1" dur="indefinite" restart="never" nodeType="tmRoot"/>
-      </p:par>
-    </p:tnLst>
-  </p:timing>
-</p:sld>
-</file>
-
-<file path=ppt/slides/slide14.xml><?xml version="1.0" encoding="utf-8"?>
-<p:sld xmlns:a="http://schemas.openxmlformats.org/drawingml/2006/main" xmlns:r="http://schemas.openxmlformats.org/officeDocument/2006/relationships" xmlns:p="http://schemas.openxmlformats.org/presentationml/2006/main">
-  <p:cSld>
-    <p:spTree>
-      <p:nvGrpSpPr>
-        <p:cNvPr id="1" name=""/>
-        <p:cNvGrpSpPr/>
-        <p:nvPr/>
-      </p:nvGrpSpPr>
-      <p:grpSpPr>
-        <a:xfrm>
-          <a:off x="0" y="0"/>
-          <a:ext cx="0" cy="0"/>
-          <a:chOff x="0" y="0"/>
-          <a:chExt cx="0" cy="0"/>
-        </a:xfrm>
-      </p:grpSpPr>
-      <p:sp>
-        <p:nvSpPr>
-          <p:cNvPr id="4" name="日期占位符 3"/>
-          <p:cNvSpPr>
-            <a:spLocks noGrp="1"/>
-          </p:cNvSpPr>
-          <p:nvPr>
-            <p:ph type="dt" sz="half" idx="10"/>
-          </p:nvPr>
-        </p:nvSpPr>
-        <p:spPr/>
-        <p:txBody>
-          <a:bodyPr/>
-          <a:lstStyle/>
-          <a:p>
-            <a:fld id="{E2DB091C-6D1E-48FD-9F9A-D521FCF0224E}" type="datetime1">
-              <a:rPr lang="zh-CN" altLang="en-US"/>
-              <a:pPr/>
-              <a:t>2015/6/6</a:t>
-            </a:fld>
-            <a:endParaRPr lang="en-US" altLang="zh-CN"/>
-          </a:p>
-        </p:txBody>
-      </p:sp>
-      <p:sp>
-        <p:nvSpPr>
-          <p:cNvPr id="5" name="灯片编号占位符 5"/>
-          <p:cNvSpPr>
-            <a:spLocks noGrp="1"/>
-          </p:cNvSpPr>
-          <p:nvPr>
-            <p:ph type="sldNum" sz="quarter" idx="12"/>
-          </p:nvPr>
-        </p:nvSpPr>
-        <p:spPr/>
-        <p:txBody>
-          <a:bodyPr/>
-          <a:lstStyle/>
-          <a:p>
-            <a:fld id="{3221945E-1CF3-48DF-9B8F-541D1DF0F5D1}" type="slidenum">
-              <a:rPr lang="en-US" altLang="zh-CN"/>
-              <a:pPr/>
-              <a:t>14</a:t>
-            </a:fld>
-            <a:endParaRPr lang="en-US" altLang="zh-CN"/>
-          </a:p>
-        </p:txBody>
-      </p:sp>
-      <p:sp>
-        <p:nvSpPr>
-          <p:cNvPr id="327682" name="Rectangle 2"/>
-          <p:cNvSpPr>
-            <a:spLocks noGrp="1" noChangeArrowheads="1"/>
-          </p:cNvSpPr>
-          <p:nvPr>
-            <p:ph type="title"/>
-          </p:nvPr>
-        </p:nvSpPr>
-        <p:spPr/>
-        <p:txBody>
-          <a:bodyPr/>
-          <a:lstStyle/>
-          <a:p>
-            <a:r>
-              <a:rPr lang="zh-CN" altLang="en-US" b="1"/>
-              <a:t>总  结</a:t>
-            </a:r>
-          </a:p>
-        </p:txBody>
-      </p:sp>
-      <p:sp>
-        <p:nvSpPr>
-          <p:cNvPr id="327683" name="Rectangle 3"/>
-          <p:cNvSpPr>
-            <a:spLocks noGrp="1" noChangeArrowheads="1"/>
-          </p:cNvSpPr>
-          <p:nvPr>
-            <p:ph type="body" idx="1"/>
-          </p:nvPr>
-        </p:nvSpPr>
-        <p:spPr/>
-        <p:txBody>
-          <a:bodyPr/>
-          <a:lstStyle/>
-          <a:p>
-            <a:r>
-              <a:rPr lang="en-US" altLang="zh-CN"/>
-              <a:t>	</a:t>
-            </a:r>
-            <a:r>
-              <a:rPr lang="zh-CN" altLang="en-US" sz="2400"/>
-              <a:t>总体来讲，隐马尔可夫模型词性标注器可以达到较好的效果，但是对词性标注任务来说，任何一点性能的提升都是对后续工作的大力支持。</a:t>
-            </a:r>
-          </a:p>
-          <a:p>
-            <a:r>
-              <a:rPr lang="zh-CN" altLang="en-US"/>
-              <a:t>	</a:t>
-            </a:r>
-            <a:r>
-              <a:rPr lang="zh-CN" altLang="en-US" sz="2400"/>
-              <a:t>长距离依赖问题和偏置问题。</a:t>
-            </a:r>
-          </a:p>
-          <a:p>
-            <a:r>
-              <a:rPr lang="zh-CN" altLang="en-US" sz="2400"/>
-              <a:t>	目前在研究中的最大熵隐马模型（</a:t>
-            </a:r>
-            <a:r>
-              <a:rPr lang="en-US" altLang="zh-CN" sz="2400"/>
-              <a:t>MEMMs</a:t>
-            </a:r>
-            <a:r>
-              <a:rPr lang="zh-CN" altLang="en-US" sz="2400"/>
-              <a:t>），条件随机场模型（</a:t>
-            </a:r>
-            <a:r>
-              <a:rPr lang="en-US" altLang="zh-CN" sz="2400"/>
-              <a:t>CRFs</a:t>
-            </a:r>
-            <a:r>
-              <a:rPr lang="zh-CN" altLang="en-US" sz="2400"/>
-              <a:t>）等模型都能在一定程度上解决词性标注的问题，他们与隐马尔可夫模型之间的联系以及几种模型的联合也是本文后续研究学习的方向。</a:t>
-            </a:r>
-            <a:r>
-              <a:rPr lang="zh-CN" altLang="en-US"/>
-              <a:t> </a:t>
-            </a:r>
-          </a:p>
-        </p:txBody>
-      </p:sp>
-    </p:spTree>
-  </p:cSld>
-  <p:clrMapOvr>
-    <a:masterClrMapping/>
-  </p:clrMapOvr>
-  <p:timing>
-    <p:tnLst>
-      <p:par>
-        <p:cTn id="1" dur="indefinite" restart="never" nodeType="tmRoot"/>
-      </p:par>
-    </p:tnLst>
-  </p:timing>
-</p:sld>
-</file>
-
 <file path=ppt/slides/slide15.xml><?xml version="1.0" encoding="utf-8"?>
 <p:sld xmlns:a="http://schemas.openxmlformats.org/drawingml/2006/main" xmlns:r="http://schemas.openxmlformats.org/officeDocument/2006/relationships" xmlns:p="http://schemas.openxmlformats.org/presentationml/2006/main">
   <p:cSld>
@@ -6277,7 +6172,7 @@
             <a:fld id="{52B0427A-FFE8-449F-BA58-F116173B98DF}" type="datetime1">
               <a:rPr lang="zh-CN" altLang="en-US" smtClean="0"/>
               <a:pPr/>
-              <a:t>2015/6/6</a:t>
+              <a:t>2015/6/7</a:t>
             </a:fld>
             <a:endParaRPr lang="en-US" altLang="zh-CN"/>
           </a:p>
@@ -6381,6 +6276,13 @@
   <p:clrMapOvr>
     <a:masterClrMapping/>
   </p:clrMapOvr>
+  <p:timing>
+    <p:tnLst>
+      <p:par>
+        <p:cTn id="1" dur="indefinite" restart="never" nodeType="tmRoot"/>
+      </p:par>
+    </p:tnLst>
+  </p:timing>
 </p:sld>
 </file>
 
@@ -6459,7 +6361,7 @@
             <a:fld id="{52B0427A-FFE8-449F-BA58-F116173B98DF}" type="datetime1">
               <a:rPr lang="zh-CN" altLang="en-US" smtClean="0"/>
               <a:pPr/>
-              <a:t>2015/6/6</a:t>
+              <a:t>2015/6/7</a:t>
             </a:fld>
             <a:endParaRPr lang="en-US" altLang="zh-CN"/>
           </a:p>
@@ -6563,6 +6465,13 @@
   <p:clrMapOvr>
     <a:masterClrMapping/>
   </p:clrMapOvr>
+  <p:timing>
+    <p:tnLst>
+      <p:par>
+        <p:cTn id="1" dur="indefinite" restart="never" nodeType="tmRoot"/>
+      </p:par>
+    </p:tnLst>
+  </p:timing>
 </p:sld>
 </file>
 
@@ -6624,7 +6533,7 @@
             <a:fld id="{52B0427A-FFE8-449F-BA58-F116173B98DF}" type="datetime1">
               <a:rPr lang="zh-CN" altLang="en-US" smtClean="0"/>
               <a:pPr/>
-              <a:t>2015/6/6</a:t>
+              <a:t>2015/6/7</a:t>
             </a:fld>
             <a:endParaRPr lang="en-US" altLang="zh-CN"/>
           </a:p>
@@ -6792,6 +6701,13 @@
   <p:clrMapOvr>
     <a:masterClrMapping/>
   </p:clrMapOvr>
+  <p:timing>
+    <p:tnLst>
+      <p:par>
+        <p:cTn id="1" dur="indefinite" restart="never" nodeType="tmRoot"/>
+      </p:par>
+    </p:tnLst>
+  </p:timing>
 </p:sld>
 </file>
 
@@ -6830,7 +6746,7 @@
             <a:fld id="{039FCD55-4959-4C66-A625-F7EC859E76BC}" type="datetime1">
               <a:rPr lang="zh-CN" altLang="en-US"/>
               <a:pPr/>
-              <a:t>2015/6/6</a:t>
+              <a:t>2015/6/7</a:t>
             </a:fld>
             <a:endParaRPr lang="en-US" altLang="zh-CN"/>
           </a:p>
@@ -6960,7 +6876,7 @@
             <a:fld id="{419B9CE7-2CCB-4A4D-84CB-D247575C77D4}" type="datetime1">
               <a:rPr lang="zh-CN" altLang="en-US"/>
               <a:pPr/>
-              <a:t>2015/6/6</a:t>
+              <a:t>2015/6/7</a:t>
             </a:fld>
             <a:endParaRPr lang="en-US" altLang="zh-CN"/>
           </a:p>
@@ -7040,8 +6956,8 @@
         </p:blipFill>
         <p:spPr bwMode="auto">
           <a:xfrm>
-            <a:off x="1331638" y="1268760"/>
-            <a:ext cx="6442175" cy="4824536"/>
+            <a:off x="971599" y="1268760"/>
+            <a:ext cx="6802213" cy="4752528"/>
           </a:xfrm>
           <a:prstGeom prst="rect">
             <a:avLst/>
@@ -7108,7 +7024,7 @@
             <a:fld id="{B02B2EC8-CA48-4D11-9E8E-883994500375}" type="datetime1">
               <a:rPr lang="zh-CN" altLang="en-US"/>
               <a:pPr/>
-              <a:t>2015/6/6</a:t>
+              <a:t>2015/6/7</a:t>
             </a:fld>
             <a:endParaRPr lang="en-US" altLang="zh-CN"/>
           </a:p>
@@ -7256,7 +7172,7 @@
             <a:fld id="{E2867401-219C-4EE0-A7BB-671F58FBA7FD}" type="datetime1">
               <a:rPr lang="zh-CN" altLang="en-US"/>
               <a:pPr/>
-              <a:t>2015/6/6</a:t>
+              <a:t>2015/6/7</a:t>
             </a:fld>
             <a:endParaRPr lang="en-US" altLang="zh-CN"/>
           </a:p>
@@ -7388,6 +7304,317 @@
       </p:grpSpPr>
       <p:sp>
         <p:nvSpPr>
+          <p:cNvPr id="2" name="标题 1"/>
+          <p:cNvSpPr>
+            <a:spLocks noGrp="1"/>
+          </p:cNvSpPr>
+          <p:nvPr>
+            <p:ph type="title"/>
+          </p:nvPr>
+        </p:nvSpPr>
+        <p:spPr/>
+        <p:txBody>
+          <a:bodyPr/>
+          <a:lstStyle/>
+          <a:p>
+            <a:r>
+              <a:rPr lang="en-US" altLang="zh-CN" dirty="0" smtClean="0"/>
+              <a:t>K-means</a:t>
+            </a:r>
+            <a:r>
+              <a:rPr lang="zh-CN" altLang="en-US" dirty="0" smtClean="0"/>
+              <a:t>算法</a:t>
+            </a:r>
+            <a:endParaRPr lang="zh-CN" altLang="en-US" dirty="0"/>
+          </a:p>
+        </p:txBody>
+      </p:sp>
+      <p:sp>
+        <p:nvSpPr>
+          <p:cNvPr id="4" name="日期占位符 3"/>
+          <p:cNvSpPr>
+            <a:spLocks noGrp="1"/>
+          </p:cNvSpPr>
+          <p:nvPr>
+            <p:ph type="dt" sz="half" idx="10"/>
+          </p:nvPr>
+        </p:nvSpPr>
+        <p:spPr/>
+        <p:txBody>
+          <a:bodyPr/>
+          <a:lstStyle/>
+          <a:p>
+            <a:fld id="{52B0427A-FFE8-449F-BA58-F116173B98DF}" type="datetime1">
+              <a:rPr lang="zh-CN" altLang="en-US" smtClean="0"/>
+              <a:pPr/>
+              <a:t>2015/6/7</a:t>
+            </a:fld>
+            <a:endParaRPr lang="en-US" altLang="zh-CN"/>
+          </a:p>
+        </p:txBody>
+      </p:sp>
+      <p:sp>
+        <p:nvSpPr>
+          <p:cNvPr id="5" name="灯片编号占位符 4"/>
+          <p:cNvSpPr>
+            <a:spLocks noGrp="1"/>
+          </p:cNvSpPr>
+          <p:nvPr>
+            <p:ph type="sldNum" sz="quarter" idx="12"/>
+          </p:nvPr>
+        </p:nvSpPr>
+        <p:spPr/>
+        <p:txBody>
+          <a:bodyPr/>
+          <a:lstStyle/>
+          <a:p>
+            <a:fld id="{DA84710E-0108-4E0C-AD6A-007BF2AA2D93}" type="slidenum">
+              <a:rPr lang="en-US" altLang="zh-CN" smtClean="0"/>
+              <a:pPr/>
+              <a:t>5</a:t>
+            </a:fld>
+            <a:endParaRPr lang="en-US" altLang="zh-CN"/>
+          </a:p>
+        </p:txBody>
+      </p:sp>
+      <p:pic>
+        <p:nvPicPr>
+          <p:cNvPr id="2050" name="Picture 2" descr="E:\temp\thesis\K-means详细步骤.jpg"/>
+          <p:cNvPicPr>
+            <a:picLocks noChangeAspect="1" noChangeArrowheads="1"/>
+          </p:cNvPicPr>
+          <p:nvPr/>
+        </p:nvPicPr>
+        <p:blipFill>
+          <a:blip r:embed="rId2">
+            <a:extLst>
+              <a:ext uri="{28A0092B-C50C-407E-A947-70E740481C1C}">
+                <a14:useLocalDpi xmlns:a14="http://schemas.microsoft.com/office/drawing/2010/main" val="0"/>
+              </a:ext>
+            </a:extLst>
+          </a:blip>
+          <a:srcRect/>
+          <a:stretch>
+            <a:fillRect/>
+          </a:stretch>
+        </p:blipFill>
+        <p:spPr bwMode="auto">
+          <a:xfrm>
+            <a:off x="571776" y="1540970"/>
+            <a:ext cx="8013700" cy="4368800"/>
+          </a:xfrm>
+          <a:prstGeom prst="rect">
+            <a:avLst/>
+          </a:prstGeom>
+          <a:noFill/>
+          <a:extLst>
+            <a:ext uri="{909E8E84-426E-40DD-AFC4-6F175D3DCCD1}">
+              <a14:hiddenFill xmlns:a14="http://schemas.microsoft.com/office/drawing/2010/main">
+                <a:solidFill>
+                  <a:srgbClr val="FFFFFF"/>
+                </a:solidFill>
+              </a14:hiddenFill>
+            </a:ext>
+          </a:extLst>
+        </p:spPr>
+      </p:pic>
+    </p:spTree>
+    <p:extLst>
+      <p:ext uri="{BB962C8B-B14F-4D97-AF65-F5344CB8AC3E}">
+        <p14:creationId xmlns:p14="http://schemas.microsoft.com/office/powerpoint/2010/main" val="4209012398"/>
+      </p:ext>
+    </p:extLst>
+  </p:cSld>
+  <p:clrMapOvr>
+    <a:masterClrMapping/>
+  </p:clrMapOvr>
+  <p:timing>
+    <p:tnLst>
+      <p:par>
+        <p:cTn id="1" dur="indefinite" restart="never" nodeType="tmRoot"/>
+      </p:par>
+    </p:tnLst>
+  </p:timing>
+</p:sld>
+</file>
+
+<file path=ppt/slides/slide6.xml><?xml version="1.0" encoding="utf-8"?>
+<p:sld xmlns:a="http://schemas.openxmlformats.org/drawingml/2006/main" xmlns:r="http://schemas.openxmlformats.org/officeDocument/2006/relationships" xmlns:p="http://schemas.openxmlformats.org/presentationml/2006/main">
+  <p:cSld>
+    <p:spTree>
+      <p:nvGrpSpPr>
+        <p:cNvPr id="1" name=""/>
+        <p:cNvGrpSpPr/>
+        <p:nvPr/>
+      </p:nvGrpSpPr>
+      <p:grpSpPr>
+        <a:xfrm>
+          <a:off x="0" y="0"/>
+          <a:ext cx="0" cy="0"/>
+          <a:chOff x="0" y="0"/>
+          <a:chExt cx="0" cy="0"/>
+        </a:xfrm>
+      </p:grpSpPr>
+      <p:sp>
+        <p:nvSpPr>
+          <p:cNvPr id="2" name="标题 1"/>
+          <p:cNvSpPr>
+            <a:spLocks noGrp="1"/>
+          </p:cNvSpPr>
+          <p:nvPr>
+            <p:ph type="title"/>
+          </p:nvPr>
+        </p:nvSpPr>
+        <p:spPr/>
+        <p:txBody>
+          <a:bodyPr/>
+          <a:lstStyle/>
+          <a:p>
+            <a:pPr lvl="1"/>
+            <a:r>
+              <a:rPr lang="en-US" altLang="zh-CN" b="1" dirty="0"/>
+              <a:t>K-means </a:t>
+            </a:r>
+            <a:r>
+              <a:rPr lang="zh-CN" altLang="zh-CN" b="1" dirty="0"/>
+              <a:t>算法基本</a:t>
+            </a:r>
+            <a:r>
+              <a:rPr lang="zh-CN" altLang="zh-CN" b="1" dirty="0" smtClean="0"/>
+              <a:t>步骤</a:t>
+            </a:r>
+            <a:endParaRPr lang="zh-CN" altLang="en-US" dirty="0"/>
+          </a:p>
+        </p:txBody>
+      </p:sp>
+      <p:sp>
+        <p:nvSpPr>
+          <p:cNvPr id="4" name="日期占位符 3"/>
+          <p:cNvSpPr>
+            <a:spLocks noGrp="1"/>
+          </p:cNvSpPr>
+          <p:nvPr>
+            <p:ph type="dt" sz="half" idx="10"/>
+          </p:nvPr>
+        </p:nvSpPr>
+        <p:spPr/>
+        <p:txBody>
+          <a:bodyPr/>
+          <a:lstStyle/>
+          <a:p>
+            <a:fld id="{52B0427A-FFE8-449F-BA58-F116173B98DF}" type="datetime1">
+              <a:rPr lang="zh-CN" altLang="en-US" smtClean="0"/>
+              <a:pPr/>
+              <a:t>2015/6/7</a:t>
+            </a:fld>
+            <a:endParaRPr lang="en-US" altLang="zh-CN"/>
+          </a:p>
+        </p:txBody>
+      </p:sp>
+      <p:sp>
+        <p:nvSpPr>
+          <p:cNvPr id="5" name="灯片编号占位符 4"/>
+          <p:cNvSpPr>
+            <a:spLocks noGrp="1"/>
+          </p:cNvSpPr>
+          <p:nvPr>
+            <p:ph type="sldNum" sz="quarter" idx="12"/>
+          </p:nvPr>
+        </p:nvSpPr>
+        <p:spPr/>
+        <p:txBody>
+          <a:bodyPr/>
+          <a:lstStyle/>
+          <a:p>
+            <a:fld id="{DA84710E-0108-4E0C-AD6A-007BF2AA2D93}" type="slidenum">
+              <a:rPr lang="en-US" altLang="zh-CN" smtClean="0"/>
+              <a:pPr/>
+              <a:t>6</a:t>
+            </a:fld>
+            <a:endParaRPr lang="en-US" altLang="zh-CN"/>
+          </a:p>
+        </p:txBody>
+      </p:sp>
+      <p:pic>
+        <p:nvPicPr>
+          <p:cNvPr id="1026" name="Picture 2" descr="E:\temp\thesis\K-means演示.jpg"/>
+          <p:cNvPicPr>
+            <a:picLocks noChangeAspect="1" noChangeArrowheads="1"/>
+          </p:cNvPicPr>
+          <p:nvPr/>
+        </p:nvPicPr>
+        <p:blipFill>
+          <a:blip r:embed="rId2">
+            <a:extLst>
+              <a:ext uri="{28A0092B-C50C-407E-A947-70E740481C1C}">
+                <a14:useLocalDpi xmlns:a14="http://schemas.microsoft.com/office/drawing/2010/main" val="0"/>
+              </a:ext>
+            </a:extLst>
+          </a:blip>
+          <a:srcRect/>
+          <a:stretch>
+            <a:fillRect/>
+          </a:stretch>
+        </p:blipFill>
+        <p:spPr bwMode="auto">
+          <a:xfrm>
+            <a:off x="1259632" y="1341688"/>
+            <a:ext cx="6120680" cy="4490955"/>
+          </a:xfrm>
+          <a:prstGeom prst="rect">
+            <a:avLst/>
+          </a:prstGeom>
+          <a:noFill/>
+          <a:extLst>
+            <a:ext uri="{909E8E84-426E-40DD-AFC4-6F175D3DCCD1}">
+              <a14:hiddenFill xmlns:a14="http://schemas.microsoft.com/office/drawing/2010/main">
+                <a:solidFill>
+                  <a:srgbClr val="FFFFFF"/>
+                </a:solidFill>
+              </a14:hiddenFill>
+            </a:ext>
+          </a:extLst>
+        </p:spPr>
+      </p:pic>
+    </p:spTree>
+    <p:extLst>
+      <p:ext uri="{BB962C8B-B14F-4D97-AF65-F5344CB8AC3E}">
+        <p14:creationId xmlns:p14="http://schemas.microsoft.com/office/powerpoint/2010/main" val="3593560165"/>
+      </p:ext>
+    </p:extLst>
+  </p:cSld>
+  <p:clrMapOvr>
+    <a:masterClrMapping/>
+  </p:clrMapOvr>
+  <p:timing>
+    <p:tnLst>
+      <p:par>
+        <p:cTn id="1" dur="indefinite" restart="never" nodeType="tmRoot"/>
+      </p:par>
+    </p:tnLst>
+  </p:timing>
+</p:sld>
+</file>
+
+<file path=ppt/slides/slide7.xml><?xml version="1.0" encoding="utf-8"?>
+<p:sld xmlns:a="http://schemas.openxmlformats.org/drawingml/2006/main" xmlns:r="http://schemas.openxmlformats.org/officeDocument/2006/relationships" xmlns:p="http://schemas.openxmlformats.org/presentationml/2006/main">
+  <p:cSld>
+    <p:spTree>
+      <p:nvGrpSpPr>
+        <p:cNvPr id="1" name=""/>
+        <p:cNvGrpSpPr/>
+        <p:nvPr/>
+      </p:nvGrpSpPr>
+      <p:grpSpPr>
+        <a:xfrm>
+          <a:off x="0" y="0"/>
+          <a:ext cx="0" cy="0"/>
+          <a:chOff x="0" y="0"/>
+          <a:chExt cx="0" cy="0"/>
+        </a:xfrm>
+      </p:grpSpPr>
+      <p:sp>
+        <p:nvSpPr>
           <p:cNvPr id="4" name="日期占位符 3"/>
           <p:cNvSpPr>
             <a:spLocks noGrp="1"/>
@@ -7404,7 +7631,7 @@
             <a:fld id="{D10BD547-A8E3-4B5A-8BF0-109E2F51E1A1}" type="datetime1">
               <a:rPr lang="zh-CN" altLang="en-US"/>
               <a:pPr/>
-              <a:t>2015/6/6</a:t>
+              <a:t>2015/6/7</a:t>
             </a:fld>
             <a:endParaRPr lang="en-US" altLang="zh-CN"/>
           </a:p>
@@ -7428,7 +7655,7 @@
             <a:fld id="{2AF01C9A-3D95-459A-8644-AD0B732EAD90}" type="slidenum">
               <a:rPr lang="en-US" altLang="zh-CN"/>
               <a:pPr/>
-              <a:t>5</a:t>
+              <a:t>7</a:t>
             </a:fld>
             <a:endParaRPr lang="en-US" altLang="zh-CN"/>
           </a:p>
@@ -7545,7 +7772,7 @@
 </p:sld>
 </file>
 
-<file path=ppt/slides/slide6.xml><?xml version="1.0" encoding="utf-8"?>
+<file path=ppt/slides/slide8.xml><?xml version="1.0" encoding="utf-8"?>
 <p:sld xmlns:a="http://schemas.openxmlformats.org/drawingml/2006/main" xmlns:r="http://schemas.openxmlformats.org/officeDocument/2006/relationships" xmlns:p="http://schemas.openxmlformats.org/presentationml/2006/main">
   <p:cSld>
     <p:spTree>
@@ -7580,7 +7807,7 @@
             <a:fld id="{B71E85FB-95B2-4EA3-84C0-EFECAC085A52}" type="datetime1">
               <a:rPr lang="zh-CN" altLang="en-US"/>
               <a:pPr/>
-              <a:t>2015/6/6</a:t>
+              <a:t>2015/6/7</a:t>
             </a:fld>
             <a:endParaRPr lang="en-US" altLang="zh-CN"/>
           </a:p>
@@ -7604,7 +7831,7 @@
             <a:fld id="{95089377-D443-4E24-B266-05D28E4B2F78}" type="slidenum">
               <a:rPr lang="en-US" altLang="zh-CN"/>
               <a:pPr/>
-              <a:t>6</a:t>
+              <a:t>8</a:t>
             </a:fld>
             <a:endParaRPr lang="en-US" altLang="zh-CN"/>
           </a:p>
@@ -7721,7 +7948,7 @@
 </p:sld>
 </file>
 
-<file path=ppt/slides/slide7.xml><?xml version="1.0" encoding="utf-8"?>
+<file path=ppt/slides/slide9.xml><?xml version="1.0" encoding="utf-8"?>
 <p:sld xmlns:a="http://schemas.openxmlformats.org/drawingml/2006/main" xmlns:r="http://schemas.openxmlformats.org/officeDocument/2006/relationships" xmlns:p="http://schemas.openxmlformats.org/presentationml/2006/main">
   <p:cSld>
     <p:spTree>
@@ -7756,7 +7983,7 @@
             <a:fld id="{188EEC18-0DC4-4D75-82E3-4EF8FB6BCA5E}" type="datetime1">
               <a:rPr lang="zh-CN" altLang="en-US"/>
               <a:pPr/>
-              <a:t>2015/6/6</a:t>
+              <a:t>2015/6/7</a:t>
             </a:fld>
             <a:endParaRPr lang="en-US" altLang="zh-CN"/>
           </a:p>
@@ -7780,7 +8007,7 @@
             <a:fld id="{A6516C2F-85E9-4319-8AF7-6450CC137A6E}" type="slidenum">
               <a:rPr lang="en-US" altLang="zh-CN"/>
               <a:pPr/>
-              <a:t>7</a:t>
+              <a:t>9</a:t>
             </a:fld>
             <a:endParaRPr lang="en-US" altLang="zh-CN"/>
           </a:p>
@@ -7843,344 +8070,6 @@
           <a:xfrm>
             <a:off x="971598" y="1412776"/>
             <a:ext cx="7504211" cy="4560211"/>
-          </a:xfrm>
-          <a:prstGeom prst="rect">
-            <a:avLst/>
-          </a:prstGeom>
-          <a:noFill/>
-          <a:ln>
-            <a:noFill/>
-          </a:ln>
-          <a:effectLst/>
-          <a:extLst>
-            <a:ext uri="{909E8E84-426E-40DD-AFC4-6F175D3DCCD1}">
-              <a14:hiddenFill xmlns:a14="http://schemas.microsoft.com/office/drawing/2010/main">
-                <a:solidFill>
-                  <a:schemeClr val="accent1"/>
-                </a:solidFill>
-              </a14:hiddenFill>
-            </a:ext>
-            <a:ext uri="{91240B29-F687-4F45-9708-019B960494DF}">
-              <a14:hiddenLine xmlns:a14="http://schemas.microsoft.com/office/drawing/2010/main" w="9525">
-                <a:solidFill>
-                  <a:schemeClr val="tx1"/>
-                </a:solidFill>
-                <a:miter lim="800000"/>
-                <a:headEnd/>
-                <a:tailEnd/>
-              </a14:hiddenLine>
-            </a:ext>
-            <a:ext uri="{AF507438-7753-43E0-B8FC-AC1667EBCBE1}">
-              <a14:hiddenEffects xmlns:a14="http://schemas.microsoft.com/office/drawing/2010/main">
-                <a:effectLst>
-                  <a:outerShdw dist="35921" dir="2700000" algn="ctr" rotWithShape="0">
-                    <a:schemeClr val="bg2"/>
-                  </a:outerShdw>
-                </a:effectLst>
-              </a14:hiddenEffects>
-            </a:ext>
-          </a:extLst>
-        </p:spPr>
-      </p:pic>
-    </p:spTree>
-  </p:cSld>
-  <p:clrMapOvr>
-    <a:masterClrMapping/>
-  </p:clrMapOvr>
-  <p:timing>
-    <p:tnLst>
-      <p:par>
-        <p:cTn id="1" dur="indefinite" restart="never" nodeType="tmRoot"/>
-      </p:par>
-    </p:tnLst>
-  </p:timing>
-</p:sld>
-</file>
-
-<file path=ppt/slides/slide8.xml><?xml version="1.0" encoding="utf-8"?>
-<p:sld xmlns:a="http://schemas.openxmlformats.org/drawingml/2006/main" xmlns:r="http://schemas.openxmlformats.org/officeDocument/2006/relationships" xmlns:p="http://schemas.openxmlformats.org/presentationml/2006/main">
-  <p:cSld>
-    <p:spTree>
-      <p:nvGrpSpPr>
-        <p:cNvPr id="1" name=""/>
-        <p:cNvGrpSpPr/>
-        <p:nvPr/>
-      </p:nvGrpSpPr>
-      <p:grpSpPr>
-        <a:xfrm>
-          <a:off x="0" y="0"/>
-          <a:ext cx="0" cy="0"/>
-          <a:chOff x="0" y="0"/>
-          <a:chExt cx="0" cy="0"/>
-        </a:xfrm>
-      </p:grpSpPr>
-      <p:sp>
-        <p:nvSpPr>
-          <p:cNvPr id="130" name="日期占位符 3"/>
-          <p:cNvSpPr>
-            <a:spLocks noGrp="1"/>
-          </p:cNvSpPr>
-          <p:nvPr>
-            <p:ph type="dt" sz="half" idx="10"/>
-          </p:nvPr>
-        </p:nvSpPr>
-        <p:spPr/>
-        <p:txBody>
-          <a:bodyPr/>
-          <a:lstStyle/>
-          <a:p>
-            <a:fld id="{4BACF019-925C-4245-B398-C76F8458DEFB}" type="datetime1">
-              <a:rPr lang="zh-CN" altLang="en-US"/>
-              <a:pPr/>
-              <a:t>2015/6/6</a:t>
-            </a:fld>
-            <a:endParaRPr lang="en-US" altLang="zh-CN"/>
-          </a:p>
-        </p:txBody>
-      </p:sp>
-      <p:sp>
-        <p:nvSpPr>
-          <p:cNvPr id="131" name="灯片编号占位符 5"/>
-          <p:cNvSpPr>
-            <a:spLocks noGrp="1"/>
-          </p:cNvSpPr>
-          <p:nvPr>
-            <p:ph type="sldNum" sz="quarter" idx="12"/>
-          </p:nvPr>
-        </p:nvSpPr>
-        <p:spPr/>
-        <p:txBody>
-          <a:bodyPr/>
-          <a:lstStyle/>
-          <a:p>
-            <a:fld id="{649D8FB4-E65B-4A33-AB96-0DAD930D9A77}" type="slidenum">
-              <a:rPr lang="en-US" altLang="zh-CN"/>
-              <a:pPr/>
-              <a:t>8</a:t>
-            </a:fld>
-            <a:endParaRPr lang="en-US" altLang="zh-CN"/>
-          </a:p>
-        </p:txBody>
-      </p:sp>
-      <p:sp>
-        <p:nvSpPr>
-          <p:cNvPr id="330754" name="Rectangle 2"/>
-          <p:cNvSpPr>
-            <a:spLocks noGrp="1" noChangeArrowheads="1"/>
-          </p:cNvSpPr>
-          <p:nvPr>
-            <p:ph type="title"/>
-          </p:nvPr>
-        </p:nvSpPr>
-        <p:spPr/>
-        <p:txBody>
-          <a:bodyPr/>
-          <a:lstStyle/>
-          <a:p>
-            <a:r>
-              <a:rPr lang="en-US" altLang="zh-CN" sz="2800" dirty="0"/>
-              <a:t>MPI I/O</a:t>
-            </a:r>
-            <a:r>
-              <a:rPr lang="zh-CN" altLang="zh-CN" sz="2800" dirty="0"/>
-              <a:t>时间与集群规模关系图</a:t>
-            </a:r>
-            <a:endParaRPr lang="en-US" altLang="zh-CN" sz="2800" b="1" dirty="0"/>
-          </a:p>
-        </p:txBody>
-      </p:sp>
-      <p:pic>
-        <p:nvPicPr>
-          <p:cNvPr id="3" name="Picture 2"/>
-          <p:cNvPicPr>
-            <a:picLocks noChangeAspect="1" noChangeArrowheads="1"/>
-          </p:cNvPicPr>
-          <p:nvPr/>
-        </p:nvPicPr>
-        <p:blipFill>
-          <a:blip r:embed="rId2">
-            <a:extLst>
-              <a:ext uri="{28A0092B-C50C-407E-A947-70E740481C1C}">
-                <a14:useLocalDpi xmlns:a14="http://schemas.microsoft.com/office/drawing/2010/main" val="0"/>
-              </a:ext>
-            </a:extLst>
-          </a:blip>
-          <a:srcRect/>
-          <a:stretch>
-            <a:fillRect/>
-          </a:stretch>
-        </p:blipFill>
-        <p:spPr bwMode="auto">
-          <a:xfrm>
-            <a:off x="755576" y="1311230"/>
-            <a:ext cx="7715834" cy="4638050"/>
-          </a:xfrm>
-          <a:prstGeom prst="rect">
-            <a:avLst/>
-          </a:prstGeom>
-          <a:noFill/>
-          <a:ln>
-            <a:noFill/>
-          </a:ln>
-          <a:effectLst/>
-          <a:extLst>
-            <a:ext uri="{909E8E84-426E-40DD-AFC4-6F175D3DCCD1}">
-              <a14:hiddenFill xmlns:a14="http://schemas.microsoft.com/office/drawing/2010/main">
-                <a:solidFill>
-                  <a:schemeClr val="accent1"/>
-                </a:solidFill>
-              </a14:hiddenFill>
-            </a:ext>
-            <a:ext uri="{91240B29-F687-4F45-9708-019B960494DF}">
-              <a14:hiddenLine xmlns:a14="http://schemas.microsoft.com/office/drawing/2010/main" w="9525">
-                <a:solidFill>
-                  <a:schemeClr val="tx1"/>
-                </a:solidFill>
-                <a:miter lim="800000"/>
-                <a:headEnd/>
-                <a:tailEnd/>
-              </a14:hiddenLine>
-            </a:ext>
-            <a:ext uri="{AF507438-7753-43E0-B8FC-AC1667EBCBE1}">
-              <a14:hiddenEffects xmlns:a14="http://schemas.microsoft.com/office/drawing/2010/main">
-                <a:effectLst>
-                  <a:outerShdw dist="35921" dir="2700000" algn="ctr" rotWithShape="0">
-                    <a:schemeClr val="bg2"/>
-                  </a:outerShdw>
-                </a:effectLst>
-              </a14:hiddenEffects>
-            </a:ext>
-          </a:extLst>
-        </p:spPr>
-      </p:pic>
-    </p:spTree>
-  </p:cSld>
-  <p:clrMapOvr>
-    <a:masterClrMapping/>
-  </p:clrMapOvr>
-  <p:timing>
-    <p:tnLst>
-      <p:par>
-        <p:cTn id="1" dur="indefinite" restart="never" nodeType="tmRoot"/>
-      </p:par>
-    </p:tnLst>
-  </p:timing>
-</p:sld>
-</file>
-
-<file path=ppt/slides/slide9.xml><?xml version="1.0" encoding="utf-8"?>
-<p:sld xmlns:a="http://schemas.openxmlformats.org/drawingml/2006/main" xmlns:r="http://schemas.openxmlformats.org/officeDocument/2006/relationships" xmlns:p="http://schemas.openxmlformats.org/presentationml/2006/main">
-  <p:cSld>
-    <p:spTree>
-      <p:nvGrpSpPr>
-        <p:cNvPr id="1" name=""/>
-        <p:cNvGrpSpPr/>
-        <p:nvPr/>
-      </p:nvGrpSpPr>
-      <p:grpSpPr>
-        <a:xfrm>
-          <a:off x="0" y="0"/>
-          <a:ext cx="0" cy="0"/>
-          <a:chOff x="0" y="0"/>
-          <a:chExt cx="0" cy="0"/>
-        </a:xfrm>
-      </p:grpSpPr>
-      <p:sp>
-        <p:nvSpPr>
-          <p:cNvPr id="4" name="日期占位符 3"/>
-          <p:cNvSpPr>
-            <a:spLocks noGrp="1"/>
-          </p:cNvSpPr>
-          <p:nvPr>
-            <p:ph type="dt" sz="half" idx="10"/>
-          </p:nvPr>
-        </p:nvSpPr>
-        <p:spPr/>
-        <p:txBody>
-          <a:bodyPr/>
-          <a:lstStyle/>
-          <a:p>
-            <a:fld id="{18FE0DB4-9072-46A0-9A44-4851BFC74ECF}" type="datetime1">
-              <a:rPr lang="zh-CN" altLang="en-US"/>
-              <a:pPr/>
-              <a:t>2015/6/6</a:t>
-            </a:fld>
-            <a:endParaRPr lang="en-US" altLang="zh-CN"/>
-          </a:p>
-        </p:txBody>
-      </p:sp>
-      <p:sp>
-        <p:nvSpPr>
-          <p:cNvPr id="5" name="灯片编号占位符 5"/>
-          <p:cNvSpPr>
-            <a:spLocks noGrp="1"/>
-          </p:cNvSpPr>
-          <p:nvPr>
-            <p:ph type="sldNum" sz="quarter" idx="12"/>
-          </p:nvPr>
-        </p:nvSpPr>
-        <p:spPr/>
-        <p:txBody>
-          <a:bodyPr/>
-          <a:lstStyle/>
-          <a:p>
-            <a:fld id="{7813917D-4DBC-4DC1-829B-E9F138805735}" type="slidenum">
-              <a:rPr lang="en-US" altLang="zh-CN"/>
-              <a:pPr/>
-              <a:t>9</a:t>
-            </a:fld>
-            <a:endParaRPr lang="en-US" altLang="zh-CN"/>
-          </a:p>
-        </p:txBody>
-      </p:sp>
-      <p:sp>
-        <p:nvSpPr>
-          <p:cNvPr id="318466" name="Rectangle 2"/>
-          <p:cNvSpPr>
-            <a:spLocks noGrp="1" noChangeArrowheads="1"/>
-          </p:cNvSpPr>
-          <p:nvPr>
-            <p:ph type="title"/>
-          </p:nvPr>
-        </p:nvSpPr>
-        <p:spPr/>
-        <p:txBody>
-          <a:bodyPr/>
-          <a:lstStyle/>
-          <a:p>
-            <a:r>
-              <a:rPr lang="zh-CN" altLang="zh-CN" sz="2800" dirty="0"/>
-              <a:t>计算时间与计算精度关系图</a:t>
-            </a:r>
-            <a:endParaRPr lang="zh-CN" altLang="en-US" sz="2800" b="1" dirty="0"/>
-          </a:p>
-        </p:txBody>
-      </p:sp>
-      <p:pic>
-        <p:nvPicPr>
-          <p:cNvPr id="331778" name="Picture 2"/>
-          <p:cNvPicPr>
-            <a:picLocks noChangeAspect="1" noChangeArrowheads="1"/>
-          </p:cNvPicPr>
-          <p:nvPr/>
-        </p:nvPicPr>
-        <p:blipFill>
-          <a:blip r:embed="rId2">
-            <a:extLst>
-              <a:ext uri="{28A0092B-C50C-407E-A947-70E740481C1C}">
-                <a14:useLocalDpi xmlns:a14="http://schemas.microsoft.com/office/drawing/2010/main" val="0"/>
-              </a:ext>
-            </a:extLst>
-          </a:blip>
-          <a:srcRect/>
-          <a:stretch>
-            <a:fillRect/>
-          </a:stretch>
-        </p:blipFill>
-        <p:spPr bwMode="auto">
-          <a:xfrm>
-            <a:off x="539552" y="1267946"/>
-            <a:ext cx="7668050" cy="4609326"/>
           </a:xfrm>
           <a:prstGeom prst="rect">
             <a:avLst/>

--- a/答辩.pptx
+++ b/答辩.pptx
@@ -5,7 +5,7 @@
     <p:sldMasterId id="2147483656" r:id="rId1"/>
   </p:sldMasterIdLst>
   <p:notesMasterIdLst>
-    <p:notesMasterId r:id="rId20"/>
+    <p:notesMasterId r:id="rId21"/>
   </p:notesMasterIdLst>
   <p:sldIdLst>
     <p:sldId id="256" r:id="rId2"/>
@@ -14,18 +14,19 @@
     <p:sldId id="278" r:id="rId5"/>
     <p:sldId id="292" r:id="rId6"/>
     <p:sldId id="291" r:id="rId7"/>
-    <p:sldId id="274" r:id="rId8"/>
-    <p:sldId id="286" r:id="rId9"/>
-    <p:sldId id="281" r:id="rId10"/>
-    <p:sldId id="287" r:id="rId11"/>
-    <p:sldId id="275" r:id="rId12"/>
-    <p:sldId id="280" r:id="rId13"/>
-    <p:sldId id="276" r:id="rId14"/>
-    <p:sldId id="282" r:id="rId15"/>
-    <p:sldId id="288" r:id="rId16"/>
-    <p:sldId id="289" r:id="rId17"/>
-    <p:sldId id="290" r:id="rId18"/>
-    <p:sldId id="285" r:id="rId19"/>
+    <p:sldId id="293" r:id="rId8"/>
+    <p:sldId id="294" r:id="rId9"/>
+    <p:sldId id="274" r:id="rId10"/>
+    <p:sldId id="286" r:id="rId11"/>
+    <p:sldId id="287" r:id="rId12"/>
+    <p:sldId id="275" r:id="rId13"/>
+    <p:sldId id="280" r:id="rId14"/>
+    <p:sldId id="276" r:id="rId15"/>
+    <p:sldId id="282" r:id="rId16"/>
+    <p:sldId id="288" r:id="rId17"/>
+    <p:sldId id="289" r:id="rId18"/>
+    <p:sldId id="290" r:id="rId19"/>
+    <p:sldId id="285" r:id="rId20"/>
   </p:sldIdLst>
   <p:sldSz cx="9144000" cy="6858000" type="screen4x3"/>
   <p:notesSz cx="6797675" cy="9874250"/>
@@ -812,7 +813,7 @@
           <a:bodyPr/>
           <a:lstStyle/>
           <a:p>
-            <a:endParaRPr lang="zh-CN" altLang="zh-CN"/>
+            <a:endParaRPr lang="zh-CN" altLang="zh-CN" dirty="0"/>
           </a:p>
         </p:txBody>
       </p:sp>
@@ -902,7 +903,7 @@
             <a:fld id="{940D6A9B-73E1-4B0E-850B-24DD60CCEF49}" type="datetime1">
               <a:rPr lang="zh-CN" altLang="en-US"/>
               <a:pPr/>
-              <a:t>2015/6/7</a:t>
+              <a:t>2015/6/8</a:t>
             </a:fld>
             <a:endParaRPr lang="en-US" altLang="zh-CN"/>
           </a:p>
@@ -1460,7 +1461,7 @@
             <a:fld id="{553E243F-653B-46FA-BB29-AA2D301400F3}" type="datetime1">
               <a:rPr lang="zh-CN" altLang="en-US"/>
               <a:pPr/>
-              <a:t>2015/6/7</a:t>
+              <a:t>2015/6/8</a:t>
             </a:fld>
             <a:endParaRPr lang="en-US" altLang="zh-CN"/>
           </a:p>
@@ -1663,7 +1664,7 @@
             <a:fld id="{BC5A8354-A2DC-44E5-9FE0-E5DADBBA4686}" type="datetime1">
               <a:rPr lang="zh-CN" altLang="en-US"/>
               <a:pPr/>
-              <a:t>2015/6/7</a:t>
+              <a:t>2015/6/8</a:t>
             </a:fld>
             <a:endParaRPr lang="en-US" altLang="zh-CN"/>
           </a:p>
@@ -1856,7 +1857,7 @@
             <a:fld id="{52B0427A-FFE8-449F-BA58-F116173B98DF}" type="datetime1">
               <a:rPr lang="zh-CN" altLang="en-US"/>
               <a:pPr/>
-              <a:t>2015/6/7</a:t>
+              <a:t>2015/6/8</a:t>
             </a:fld>
             <a:endParaRPr lang="en-US" altLang="zh-CN"/>
           </a:p>
@@ -2071,7 +2072,7 @@
             <a:fld id="{59834EC6-4CFB-4D29-BE9A-28A448DF308D}" type="datetime1">
               <a:rPr lang="zh-CN" altLang="en-US"/>
               <a:pPr/>
-              <a:t>2015/6/7</a:t>
+              <a:t>2015/6/8</a:t>
             </a:fld>
             <a:endParaRPr lang="en-US" altLang="zh-CN"/>
           </a:p>
@@ -2382,7 +2383,7 @@
             <a:fld id="{0BBB44FA-3669-433C-95B0-096FEE321C90}" type="datetime1">
               <a:rPr lang="zh-CN" altLang="en-US"/>
               <a:pPr/>
-              <a:t>2015/6/7</a:t>
+              <a:t>2015/6/8</a:t>
             </a:fld>
             <a:endParaRPr lang="en-US" altLang="zh-CN"/>
           </a:p>
@@ -2832,7 +2833,7 @@
             <a:fld id="{AFF0E4AD-D653-46EA-BF63-907CF75819CC}" type="datetime1">
               <a:rPr lang="zh-CN" altLang="en-US"/>
               <a:pPr/>
-              <a:t>2015/6/7</a:t>
+              <a:t>2015/6/8</a:t>
             </a:fld>
             <a:endParaRPr lang="en-US" altLang="zh-CN"/>
           </a:p>
@@ -2973,7 +2974,7 @@
             <a:fld id="{6DC9A146-B7AC-4D9C-BB30-5E93E360007E}" type="datetime1">
               <a:rPr lang="zh-CN" altLang="en-US"/>
               <a:pPr/>
-              <a:t>2015/6/7</a:t>
+              <a:t>2015/6/8</a:t>
             </a:fld>
             <a:endParaRPr lang="en-US" altLang="zh-CN"/>
           </a:p>
@@ -3091,7 +3092,7 @@
             <a:fld id="{E0269B3A-D1CE-4DD6-BEFE-1B544D7E8824}" type="datetime1">
               <a:rPr lang="zh-CN" altLang="en-US"/>
               <a:pPr/>
-              <a:t>2015/6/7</a:t>
+              <a:t>2015/6/8</a:t>
             </a:fld>
             <a:endParaRPr lang="en-US" altLang="zh-CN"/>
           </a:p>
@@ -3391,7 +3392,7 @@
             <a:fld id="{7CEEDB04-E8C4-45F3-B46D-F212CB04941C}" type="datetime1">
               <a:rPr lang="zh-CN" altLang="en-US"/>
               <a:pPr/>
-              <a:t>2015/6/7</a:t>
+              <a:t>2015/6/8</a:t>
             </a:fld>
             <a:endParaRPr lang="en-US" altLang="zh-CN"/>
           </a:p>
@@ -3667,7 +3668,7 @@
             <a:fld id="{32D73378-AE04-42CB-8C9A-1A3A0F761098}" type="datetime1">
               <a:rPr lang="zh-CN" altLang="en-US"/>
               <a:pPr/>
-              <a:t>2015/6/7</a:t>
+              <a:t>2015/6/8</a:t>
             </a:fld>
             <a:endParaRPr lang="en-US" altLang="zh-CN"/>
           </a:p>
@@ -4159,7 +4160,7 @@
             <a:fld id="{5AD182F2-6C08-4E08-AF1A-1E2A34FD2B11}" type="datetime1">
               <a:rPr lang="zh-CN" altLang="en-US"/>
               <a:pPr/>
-              <a:t>2015/6/7</a:t>
+              <a:t>2015/6/8</a:t>
             </a:fld>
             <a:endParaRPr lang="en-US" altLang="zh-CN"/>
           </a:p>
@@ -4883,7 +4884,7 @@
             <a:fld id="{90A4A129-F132-4B71-9F99-C28F49F6C27A}" type="datetime1">
               <a:rPr lang="zh-CN" altLang="en-US"/>
               <a:pPr/>
-              <a:t>2015/6/7</a:t>
+              <a:t>2015/6/8</a:t>
             </a:fld>
             <a:endParaRPr lang="en-US" altLang="zh-CN"/>
           </a:p>
@@ -4925,8 +4926,8 @@
         </p:nvSpPr>
         <p:spPr>
           <a:xfrm>
-            <a:off x="755650" y="2420938"/>
-            <a:ext cx="7632700" cy="1104900"/>
+            <a:off x="251520" y="2420888"/>
+            <a:ext cx="8568878" cy="1104900"/>
           </a:xfrm>
         </p:spPr>
         <p:txBody>
@@ -4934,22 +4935,29 @@
           <a:lstStyle/>
           <a:p>
             <a:r>
-              <a:rPr lang="en-US" altLang="zh-CN" sz="3000" b="1" dirty="0" smtClean="0"/>
+              <a:rPr lang="en-US" altLang="zh-CN" sz="3000" b="1" dirty="0"/>
+              <a:t>MPI</a:t>
+            </a:r>
+            <a:r>
+              <a:rPr lang="zh-CN" altLang="en-US" sz="3000" b="1" dirty="0"/>
+              <a:t>与</a:t>
+            </a:r>
+            <a:r>
+              <a:rPr lang="en-US" altLang="zh-CN" sz="3000" b="1" dirty="0"/>
               <a:t>Hadoop</a:t>
             </a:r>
             <a:r>
-              <a:rPr lang="zh-CN" altLang="en-US" sz="3000" b="1" dirty="0" smtClean="0"/>
-              <a:t>与</a:t>
-            </a:r>
-            <a:r>
-              <a:rPr lang="en-US" altLang="zh-CN" sz="3000" b="1" dirty="0" smtClean="0"/>
-              <a:t>MPI</a:t>
-            </a:r>
-            <a:r>
-              <a:rPr lang="zh-CN" altLang="en-US" sz="3000" b="1" dirty="0" smtClean="0"/>
-              <a:t>技术性能比较分析研究</a:t>
-            </a:r>
-            <a:endParaRPr lang="zh-CN" altLang="en-US" sz="3000" b="1" dirty="0"/>
+              <a:rPr lang="zh-CN" altLang="en-US" sz="3000" b="1" dirty="0"/>
+              <a:t>在</a:t>
+            </a:r>
+            <a:r>
+              <a:rPr lang="en-US" altLang="zh-CN" sz="3000" b="1" dirty="0"/>
+              <a:t>K-means</a:t>
+            </a:r>
+            <a:r>
+              <a:rPr lang="zh-CN" altLang="en-US" sz="3000" b="1" dirty="0"/>
+              <a:t>算法上的性能比较分析</a:t>
+            </a:r>
           </a:p>
         </p:txBody>
       </p:sp>
@@ -5059,6 +5067,14 @@
   <p:clrMapOvr>
     <a:masterClrMapping/>
   </p:clrMapOvr>
+  <mc:AlternateContent xmlns:mc="http://schemas.openxmlformats.org/markup-compatibility/2006" xmlns:p14="http://schemas.microsoft.com/office/powerpoint/2010/main">
+    <mc:Choice Requires="p14">
+      <p:transition spd="slow" p14:dur="2000"/>
+    </mc:Choice>
+    <mc:Fallback xmlns="">
+      <p:transition spd="slow"/>
+    </mc:Fallback>
+  </mc:AlternateContent>
   <p:timing>
     <p:tnLst>
       <p:par>
@@ -5088,6 +5104,254 @@
       </p:grpSpPr>
       <p:sp>
         <p:nvSpPr>
+          <p:cNvPr id="4" name="日期占位符 3"/>
+          <p:cNvSpPr>
+            <a:spLocks noGrp="1"/>
+          </p:cNvSpPr>
+          <p:nvPr>
+            <p:ph type="dt" sz="half" idx="10"/>
+          </p:nvPr>
+        </p:nvSpPr>
+        <p:spPr/>
+        <p:txBody>
+          <a:bodyPr/>
+          <a:lstStyle/>
+          <a:p>
+            <a:fld id="{B71E85FB-95B2-4EA3-84C0-EFECAC085A52}" type="datetime1">
+              <a:rPr lang="zh-CN" altLang="en-US"/>
+              <a:pPr/>
+              <a:t>2015/6/8</a:t>
+            </a:fld>
+            <a:endParaRPr lang="en-US" altLang="zh-CN"/>
+          </a:p>
+        </p:txBody>
+      </p:sp>
+      <p:sp>
+        <p:nvSpPr>
+          <p:cNvPr id="5" name="灯片编号占位符 5"/>
+          <p:cNvSpPr>
+            <a:spLocks noGrp="1"/>
+          </p:cNvSpPr>
+          <p:nvPr>
+            <p:ph type="sldNum" sz="quarter" idx="12"/>
+          </p:nvPr>
+        </p:nvSpPr>
+        <p:spPr/>
+        <p:txBody>
+          <a:bodyPr/>
+          <a:lstStyle/>
+          <a:p>
+            <a:fld id="{95089377-D443-4E24-B266-05D28E4B2F78}" type="slidenum">
+              <a:rPr lang="en-US" altLang="zh-CN"/>
+              <a:pPr/>
+              <a:t>10</a:t>
+            </a:fld>
+            <a:endParaRPr lang="en-US" altLang="zh-CN"/>
+          </a:p>
+        </p:txBody>
+      </p:sp>
+      <p:sp>
+        <p:nvSpPr>
+          <p:cNvPr id="329730" name="Rectangle 2"/>
+          <p:cNvSpPr>
+            <a:spLocks noGrp="1" noChangeArrowheads="1"/>
+          </p:cNvSpPr>
+          <p:nvPr>
+            <p:ph type="title"/>
+          </p:nvPr>
+        </p:nvSpPr>
+        <p:spPr>
+          <a:xfrm>
+            <a:off x="1042988" y="404813"/>
+            <a:ext cx="5833268" cy="576262"/>
+          </a:xfrm>
+        </p:spPr>
+        <p:txBody>
+          <a:bodyPr/>
+          <a:lstStyle/>
+          <a:p>
+            <a:r>
+              <a:rPr lang="en-US" altLang="zh-CN" sz="2800" dirty="0"/>
+              <a:t>Hadoop</a:t>
+            </a:r>
+            <a:r>
+              <a:rPr lang="zh-CN" altLang="zh-CN" sz="2800" dirty="0"/>
+              <a:t>计算时间与数据规模关系图</a:t>
+            </a:r>
+            <a:endParaRPr lang="en-US" altLang="zh-CN" sz="2800" b="1" dirty="0"/>
+          </a:p>
+        </p:txBody>
+      </p:sp>
+      <p:pic>
+        <p:nvPicPr>
+          <p:cNvPr id="328706" name="Picture 2"/>
+          <p:cNvPicPr>
+            <a:picLocks noChangeAspect="1" noChangeArrowheads="1"/>
+          </p:cNvPicPr>
+          <p:nvPr/>
+        </p:nvPicPr>
+        <p:blipFill>
+          <a:blip r:embed="rId2">
+            <a:extLst>
+              <a:ext uri="{28A0092B-C50C-407E-A947-70E740481C1C}">
+                <a14:useLocalDpi xmlns:a14="http://schemas.microsoft.com/office/drawing/2010/main" val="0"/>
+              </a:ext>
+            </a:extLst>
+          </a:blip>
+          <a:srcRect/>
+          <a:stretch>
+            <a:fillRect/>
+          </a:stretch>
+        </p:blipFill>
+        <p:spPr bwMode="auto">
+          <a:xfrm>
+            <a:off x="1" y="1988840"/>
+            <a:ext cx="4499991" cy="3024336"/>
+          </a:xfrm>
+          <a:prstGeom prst="rect">
+            <a:avLst/>
+          </a:prstGeom>
+          <a:noFill/>
+          <a:ln>
+            <a:noFill/>
+          </a:ln>
+          <a:effectLst/>
+          <a:extLst>
+            <a:ext uri="{909E8E84-426E-40DD-AFC4-6F175D3DCCD1}">
+              <a14:hiddenFill xmlns:a14="http://schemas.microsoft.com/office/drawing/2010/main">
+                <a:solidFill>
+                  <a:schemeClr val="accent1"/>
+                </a:solidFill>
+              </a14:hiddenFill>
+            </a:ext>
+            <a:ext uri="{91240B29-F687-4F45-9708-019B960494DF}">
+              <a14:hiddenLine xmlns:a14="http://schemas.microsoft.com/office/drawing/2010/main" w="9525">
+                <a:solidFill>
+                  <a:schemeClr val="tx1"/>
+                </a:solidFill>
+                <a:miter lim="800000"/>
+                <a:headEnd/>
+                <a:tailEnd/>
+              </a14:hiddenLine>
+            </a:ext>
+            <a:ext uri="{AF507438-7753-43E0-B8FC-AC1667EBCBE1}">
+              <a14:hiddenEffects xmlns:a14="http://schemas.microsoft.com/office/drawing/2010/main">
+                <a:effectLst>
+                  <a:outerShdw dist="35921" dir="2700000" algn="ctr" rotWithShape="0">
+                    <a:schemeClr val="bg2"/>
+                  </a:outerShdw>
+                </a:effectLst>
+              </a14:hiddenEffects>
+            </a:ext>
+          </a:extLst>
+        </p:spPr>
+      </p:pic>
+      <p:pic>
+        <p:nvPicPr>
+          <p:cNvPr id="6" name="Picture 2"/>
+          <p:cNvPicPr>
+            <a:picLocks noChangeAspect="1" noChangeArrowheads="1"/>
+          </p:cNvPicPr>
+          <p:nvPr/>
+        </p:nvPicPr>
+        <p:blipFill>
+          <a:blip r:embed="rId3">
+            <a:extLst>
+              <a:ext uri="{28A0092B-C50C-407E-A947-70E740481C1C}">
+                <a14:useLocalDpi xmlns:a14="http://schemas.microsoft.com/office/drawing/2010/main" val="0"/>
+              </a:ext>
+            </a:extLst>
+          </a:blip>
+          <a:srcRect/>
+          <a:stretch>
+            <a:fillRect/>
+          </a:stretch>
+        </p:blipFill>
+        <p:spPr bwMode="auto">
+          <a:xfrm>
+            <a:off x="4716016" y="1988841"/>
+            <a:ext cx="4443490" cy="3024336"/>
+          </a:xfrm>
+          <a:prstGeom prst="rect">
+            <a:avLst/>
+          </a:prstGeom>
+          <a:noFill/>
+          <a:ln>
+            <a:noFill/>
+          </a:ln>
+          <a:effectLst/>
+          <a:extLst>
+            <a:ext uri="{909E8E84-426E-40DD-AFC4-6F175D3DCCD1}">
+              <a14:hiddenFill xmlns:a14="http://schemas.microsoft.com/office/drawing/2010/main">
+                <a:solidFill>
+                  <a:schemeClr val="accent1"/>
+                </a:solidFill>
+              </a14:hiddenFill>
+            </a:ext>
+            <a:ext uri="{91240B29-F687-4F45-9708-019B960494DF}">
+              <a14:hiddenLine xmlns:a14="http://schemas.microsoft.com/office/drawing/2010/main" w="9525">
+                <a:solidFill>
+                  <a:schemeClr val="tx1"/>
+                </a:solidFill>
+                <a:miter lim="800000"/>
+                <a:headEnd/>
+                <a:tailEnd/>
+              </a14:hiddenLine>
+            </a:ext>
+            <a:ext uri="{AF507438-7753-43E0-B8FC-AC1667EBCBE1}">
+              <a14:hiddenEffects xmlns:a14="http://schemas.microsoft.com/office/drawing/2010/main">
+                <a:effectLst>
+                  <a:outerShdw dist="35921" dir="2700000" algn="ctr" rotWithShape="0">
+                    <a:schemeClr val="bg2"/>
+                  </a:outerShdw>
+                </a:effectLst>
+              </a14:hiddenEffects>
+            </a:ext>
+          </a:extLst>
+        </p:spPr>
+      </p:pic>
+    </p:spTree>
+  </p:cSld>
+  <p:clrMapOvr>
+    <a:masterClrMapping/>
+  </p:clrMapOvr>
+  <mc:AlternateContent xmlns:mc="http://schemas.openxmlformats.org/markup-compatibility/2006" xmlns:p14="http://schemas.microsoft.com/office/powerpoint/2010/main">
+    <mc:Choice Requires="p14">
+      <p:transition spd="slow" p14:dur="2000"/>
+    </mc:Choice>
+    <mc:Fallback xmlns="">
+      <p:transition spd="slow"/>
+    </mc:Fallback>
+  </mc:AlternateContent>
+  <p:timing>
+    <p:tnLst>
+      <p:par>
+        <p:cTn id="1" dur="indefinite" restart="never" nodeType="tmRoot"/>
+      </p:par>
+    </p:tnLst>
+  </p:timing>
+</p:sld>
+</file>
+
+<file path=ppt/slides/slide11.xml><?xml version="1.0" encoding="utf-8"?>
+<p:sld xmlns:a="http://schemas.openxmlformats.org/drawingml/2006/main" xmlns:r="http://schemas.openxmlformats.org/officeDocument/2006/relationships" xmlns:p="http://schemas.openxmlformats.org/presentationml/2006/main">
+  <p:cSld>
+    <p:spTree>
+      <p:nvGrpSpPr>
+        <p:cNvPr id="1" name=""/>
+        <p:cNvGrpSpPr/>
+        <p:nvPr/>
+      </p:nvGrpSpPr>
+      <p:grpSpPr>
+        <a:xfrm>
+          <a:off x="0" y="0"/>
+          <a:ext cx="0" cy="0"/>
+          <a:chOff x="0" y="0"/>
+          <a:chExt cx="0" cy="0"/>
+        </a:xfrm>
+      </p:grpSpPr>
+      <p:sp>
+        <p:nvSpPr>
           <p:cNvPr id="130" name="日期占位符 3"/>
           <p:cNvSpPr>
             <a:spLocks noGrp="1"/>
@@ -5104,7 +5368,7 @@
             <a:fld id="{4BACF019-925C-4245-B398-C76F8458DEFB}" type="datetime1">
               <a:rPr lang="zh-CN" altLang="en-US"/>
               <a:pPr/>
-              <a:t>2015/6/7</a:t>
+              <a:t>2015/6/8</a:t>
             </a:fld>
             <a:endParaRPr lang="en-US" altLang="zh-CN"/>
           </a:p>
@@ -5128,7 +5392,7 @@
             <a:fld id="{649D8FB4-E65B-4A33-AB96-0DAD930D9A77}" type="slidenum">
               <a:rPr lang="en-US" altLang="zh-CN"/>
               <a:pPr/>
-              <a:t>10</a:t>
+              <a:t>11</a:t>
             </a:fld>
             <a:endParaRPr lang="en-US" altLang="zh-CN"/>
           </a:p>
@@ -5230,6 +5494,14 @@
   <p:clrMapOvr>
     <a:masterClrMapping/>
   </p:clrMapOvr>
+  <mc:AlternateContent xmlns:mc="http://schemas.openxmlformats.org/markup-compatibility/2006" xmlns:p14="http://schemas.microsoft.com/office/powerpoint/2010/main">
+    <mc:Choice Requires="p14">
+      <p:transition spd="slow" p14:dur="2000"/>
+    </mc:Choice>
+    <mc:Fallback xmlns="">
+      <p:transition spd="slow"/>
+    </mc:Fallback>
+  </mc:AlternateContent>
   <p:timing>
     <p:tnLst>
       <p:par>
@@ -5240,7 +5512,7 @@
 </p:sld>
 </file>
 
-<file path=ppt/slides/slide11.xml><?xml version="1.0" encoding="utf-8"?>
+<file path=ppt/slides/slide12.xml><?xml version="1.0" encoding="utf-8"?>
 <p:sld xmlns:a="http://schemas.openxmlformats.org/drawingml/2006/main" xmlns:r="http://schemas.openxmlformats.org/officeDocument/2006/relationships" xmlns:p="http://schemas.openxmlformats.org/presentationml/2006/main">
   <p:cSld>
     <p:spTree>
@@ -5275,7 +5547,7 @@
             <a:fld id="{18FE0DB4-9072-46A0-9A44-4851BFC74ECF}" type="datetime1">
               <a:rPr lang="zh-CN" altLang="en-US"/>
               <a:pPr/>
-              <a:t>2015/6/7</a:t>
+              <a:t>2015/6/8</a:t>
             </a:fld>
             <a:endParaRPr lang="en-US" altLang="zh-CN"/>
           </a:p>
@@ -5299,7 +5571,7 @@
             <a:fld id="{7813917D-4DBC-4DC1-829B-E9F138805735}" type="slidenum">
               <a:rPr lang="en-US" altLang="zh-CN"/>
               <a:pPr/>
-              <a:t>11</a:t>
+              <a:t>12</a:t>
             </a:fld>
             <a:endParaRPr lang="en-US" altLang="zh-CN"/>
           </a:p>
@@ -5397,6 +5669,14 @@
   <p:clrMapOvr>
     <a:masterClrMapping/>
   </p:clrMapOvr>
+  <mc:AlternateContent xmlns:mc="http://schemas.openxmlformats.org/markup-compatibility/2006" xmlns:p14="http://schemas.microsoft.com/office/powerpoint/2010/main">
+    <mc:Choice Requires="p14">
+      <p:transition spd="slow" p14:dur="2000"/>
+    </mc:Choice>
+    <mc:Fallback xmlns="">
+      <p:transition spd="slow"/>
+    </mc:Fallback>
+  </mc:AlternateContent>
   <p:timing>
     <p:tnLst>
       <p:par>
@@ -5407,7 +5687,7 @@
 </p:sld>
 </file>
 
-<file path=ppt/slides/slide12.xml><?xml version="1.0" encoding="utf-8"?>
+<file path=ppt/slides/slide13.xml><?xml version="1.0" encoding="utf-8"?>
 <p:sld xmlns:a="http://schemas.openxmlformats.org/drawingml/2006/main" xmlns:r="http://schemas.openxmlformats.org/officeDocument/2006/relationships" xmlns:p="http://schemas.openxmlformats.org/presentationml/2006/main">
   <p:cSld>
     <p:spTree>
@@ -5442,7 +5722,7 @@
             <a:fld id="{82DED985-8E87-4F56-A295-568AF073D0BB}" type="datetime1">
               <a:rPr lang="zh-CN" altLang="en-US"/>
               <a:pPr/>
-              <a:t>2015/6/7</a:t>
+              <a:t>2015/6/8</a:t>
             </a:fld>
             <a:endParaRPr lang="en-US" altLang="zh-CN"/>
           </a:p>
@@ -5466,7 +5746,7 @@
             <a:fld id="{F4344959-D9EA-475C-A3D2-26C8718FEDD5}" type="slidenum">
               <a:rPr lang="en-US" altLang="zh-CN"/>
               <a:pPr/>
-              <a:t>12</a:t>
+              <a:t>13</a:t>
             </a:fld>
             <a:endParaRPr lang="en-US" altLang="zh-CN"/>
           </a:p>
@@ -5752,6 +6032,14 @@
   <p:clrMapOvr>
     <a:masterClrMapping/>
   </p:clrMapOvr>
+  <mc:AlternateContent xmlns:mc="http://schemas.openxmlformats.org/markup-compatibility/2006" xmlns:p14="http://schemas.microsoft.com/office/powerpoint/2010/main">
+    <mc:Choice Requires="p14">
+      <p:transition spd="slow" p14:dur="2000"/>
+    </mc:Choice>
+    <mc:Fallback xmlns="">
+      <p:transition spd="slow"/>
+    </mc:Fallback>
+  </mc:AlternateContent>
   <p:timing>
     <p:tnLst>
       <p:par>
@@ -5762,7 +6050,7 @@
 </p:sld>
 </file>
 
-<file path=ppt/slides/slide13.xml><?xml version="1.0" encoding="utf-8"?>
+<file path=ppt/slides/slide14.xml><?xml version="1.0" encoding="utf-8"?>
 <p:sld xmlns:a="http://schemas.openxmlformats.org/drawingml/2006/main" xmlns:r="http://schemas.openxmlformats.org/officeDocument/2006/relationships" xmlns:p="http://schemas.openxmlformats.org/presentationml/2006/main">
   <p:cSld>
     <p:spTree>
@@ -5797,7 +6085,7 @@
             <a:fld id="{31C7C87D-CFAB-42C3-B7BA-7D6D8E2710CE}" type="datetime1">
               <a:rPr lang="zh-CN" altLang="en-US"/>
               <a:pPr/>
-              <a:t>2015/6/7</a:t>
+              <a:t>2015/6/8</a:t>
             </a:fld>
             <a:endParaRPr lang="en-US" altLang="zh-CN"/>
           </a:p>
@@ -5821,7 +6109,7 @@
             <a:fld id="{A18FD2A0-C321-49C8-A2D3-949A722E5763}" type="slidenum">
               <a:rPr lang="en-US" altLang="zh-CN"/>
               <a:pPr/>
-              <a:t>13</a:t>
+              <a:t>14</a:t>
             </a:fld>
             <a:endParaRPr lang="en-US" altLang="zh-CN"/>
           </a:p>
@@ -5919,6 +6207,14 @@
   <p:clrMapOvr>
     <a:masterClrMapping/>
   </p:clrMapOvr>
+  <mc:AlternateContent xmlns:mc="http://schemas.openxmlformats.org/markup-compatibility/2006" xmlns:p14="http://schemas.microsoft.com/office/powerpoint/2010/main">
+    <mc:Choice Requires="p14">
+      <p:transition spd="slow" p14:dur="2000"/>
+    </mc:Choice>
+    <mc:Fallback xmlns="">
+      <p:transition spd="slow"/>
+    </mc:Fallback>
+  </mc:AlternateContent>
   <p:timing>
     <p:tnLst>
       <p:par>
@@ -5929,7 +6225,7 @@
 </p:sld>
 </file>
 
-<file path=ppt/slides/slide14.xml><?xml version="1.0" encoding="utf-8"?>
+<file path=ppt/slides/slide15.xml><?xml version="1.0" encoding="utf-8"?>
 <p:sld xmlns:a="http://schemas.openxmlformats.org/drawingml/2006/main" xmlns:r="http://schemas.openxmlformats.org/officeDocument/2006/relationships" xmlns:p="http://schemas.openxmlformats.org/presentationml/2006/main">
   <p:cSld>
     <p:spTree>
@@ -5964,7 +6260,7 @@
             <a:fld id="{8402EC66-1B9C-4C8B-A9C2-180EB5798D03}" type="datetime1">
               <a:rPr lang="zh-CN" altLang="en-US"/>
               <a:pPr/>
-              <a:t>2015/6/7</a:t>
+              <a:t>2015/6/8</a:t>
             </a:fld>
             <a:endParaRPr lang="en-US" altLang="zh-CN"/>
           </a:p>
@@ -5988,7 +6284,7 @@
             <a:fld id="{ACA2DFE8-512E-405F-954B-BD3E4F6CDE5A}" type="slidenum">
               <a:rPr lang="en-US" altLang="zh-CN"/>
               <a:pPr/>
-              <a:t>14</a:t>
+              <a:t>15</a:t>
             </a:fld>
             <a:endParaRPr lang="en-US" altLang="zh-CN"/>
           </a:p>
@@ -6095,6 +6391,14 @@
   <p:clrMapOvr>
     <a:masterClrMapping/>
   </p:clrMapOvr>
+  <mc:AlternateContent xmlns:mc="http://schemas.openxmlformats.org/markup-compatibility/2006" xmlns:p14="http://schemas.microsoft.com/office/powerpoint/2010/main">
+    <mc:Choice Requires="p14">
+      <p:transition spd="slow" p14:dur="2000"/>
+    </mc:Choice>
+    <mc:Fallback xmlns="">
+      <p:transition spd="slow"/>
+    </mc:Fallback>
+  </mc:AlternateContent>
   <p:timing>
     <p:tnLst>
       <p:par>
@@ -6105,7 +6409,7 @@
 </p:sld>
 </file>
 
-<file path=ppt/slides/slide15.xml><?xml version="1.0" encoding="utf-8"?>
+<file path=ppt/slides/slide16.xml><?xml version="1.0" encoding="utf-8"?>
 <p:sld xmlns:a="http://schemas.openxmlformats.org/drawingml/2006/main" xmlns:r="http://schemas.openxmlformats.org/officeDocument/2006/relationships" xmlns:p="http://schemas.openxmlformats.org/presentationml/2006/main">
   <p:cSld>
     <p:spTree>
@@ -6172,7 +6476,7 @@
             <a:fld id="{52B0427A-FFE8-449F-BA58-F116173B98DF}" type="datetime1">
               <a:rPr lang="zh-CN" altLang="en-US" smtClean="0"/>
               <a:pPr/>
-              <a:t>2015/6/7</a:t>
+              <a:t>2015/6/8</a:t>
             </a:fld>
             <a:endParaRPr lang="en-US" altLang="zh-CN"/>
           </a:p>
@@ -6196,7 +6500,7 @@
             <a:fld id="{DA84710E-0108-4E0C-AD6A-007BF2AA2D93}" type="slidenum">
               <a:rPr lang="en-US" altLang="zh-CN" smtClean="0"/>
               <a:pPr/>
-              <a:t>15</a:t>
+              <a:t>16</a:t>
             </a:fld>
             <a:endParaRPr lang="en-US" altLang="zh-CN"/>
           </a:p>
@@ -6276,6 +6580,14 @@
   <p:clrMapOvr>
     <a:masterClrMapping/>
   </p:clrMapOvr>
+  <mc:AlternateContent xmlns:mc="http://schemas.openxmlformats.org/markup-compatibility/2006" xmlns:p14="http://schemas.microsoft.com/office/powerpoint/2010/main">
+    <mc:Choice Requires="p14">
+      <p:transition spd="slow" p14:dur="2000"/>
+    </mc:Choice>
+    <mc:Fallback xmlns="">
+      <p:transition spd="slow"/>
+    </mc:Fallback>
+  </mc:AlternateContent>
   <p:timing>
     <p:tnLst>
       <p:par>
@@ -6286,7 +6598,7 @@
 </p:sld>
 </file>
 
-<file path=ppt/slides/slide16.xml><?xml version="1.0" encoding="utf-8"?>
+<file path=ppt/slides/slide17.xml><?xml version="1.0" encoding="utf-8"?>
 <p:sld xmlns:a="http://schemas.openxmlformats.org/drawingml/2006/main" xmlns:r="http://schemas.openxmlformats.org/officeDocument/2006/relationships" xmlns:p="http://schemas.openxmlformats.org/presentationml/2006/main">
   <p:cSld>
     <p:spTree>
@@ -6361,7 +6673,7 @@
             <a:fld id="{52B0427A-FFE8-449F-BA58-F116173B98DF}" type="datetime1">
               <a:rPr lang="zh-CN" altLang="en-US" smtClean="0"/>
               <a:pPr/>
-              <a:t>2015/6/7</a:t>
+              <a:t>2015/6/8</a:t>
             </a:fld>
             <a:endParaRPr lang="en-US" altLang="zh-CN"/>
           </a:p>
@@ -6385,7 +6697,7 @@
             <a:fld id="{DA84710E-0108-4E0C-AD6A-007BF2AA2D93}" type="slidenum">
               <a:rPr lang="en-US" altLang="zh-CN" smtClean="0"/>
               <a:pPr/>
-              <a:t>16</a:t>
+              <a:t>17</a:t>
             </a:fld>
             <a:endParaRPr lang="en-US" altLang="zh-CN"/>
           </a:p>
@@ -6465,6 +6777,14 @@
   <p:clrMapOvr>
     <a:masterClrMapping/>
   </p:clrMapOvr>
+  <mc:AlternateContent xmlns:mc="http://schemas.openxmlformats.org/markup-compatibility/2006" xmlns:p14="http://schemas.microsoft.com/office/powerpoint/2010/main">
+    <mc:Choice Requires="p14">
+      <p:transition spd="slow" p14:dur="2000"/>
+    </mc:Choice>
+    <mc:Fallback xmlns="">
+      <p:transition spd="slow"/>
+    </mc:Fallback>
+  </mc:AlternateContent>
   <p:timing>
     <p:tnLst>
       <p:par>
@@ -6475,7 +6795,7 @@
 </p:sld>
 </file>
 
-<file path=ppt/slides/slide17.xml><?xml version="1.0" encoding="utf-8"?>
+<file path=ppt/slides/slide18.xml><?xml version="1.0" encoding="utf-8"?>
 <p:sld xmlns:a="http://schemas.openxmlformats.org/drawingml/2006/main" xmlns:r="http://schemas.openxmlformats.org/officeDocument/2006/relationships" xmlns:p="http://schemas.openxmlformats.org/presentationml/2006/main">
   <p:cSld>
     <p:spTree>
@@ -6533,7 +6853,7 @@
             <a:fld id="{52B0427A-FFE8-449F-BA58-F116173B98DF}" type="datetime1">
               <a:rPr lang="zh-CN" altLang="en-US" smtClean="0"/>
               <a:pPr/>
-              <a:t>2015/6/7</a:t>
+              <a:t>2015/6/8</a:t>
             </a:fld>
             <a:endParaRPr lang="en-US" altLang="zh-CN"/>
           </a:p>
@@ -6557,7 +6877,7 @@
             <a:fld id="{DA84710E-0108-4E0C-AD6A-007BF2AA2D93}" type="slidenum">
               <a:rPr lang="en-US" altLang="zh-CN" smtClean="0"/>
               <a:pPr/>
-              <a:t>17</a:t>
+              <a:t>18</a:t>
             </a:fld>
             <a:endParaRPr lang="en-US" altLang="zh-CN"/>
           </a:p>
@@ -6701,6 +7021,14 @@
   <p:clrMapOvr>
     <a:masterClrMapping/>
   </p:clrMapOvr>
+  <mc:AlternateContent xmlns:mc="http://schemas.openxmlformats.org/markup-compatibility/2006" xmlns:p14="http://schemas.microsoft.com/office/powerpoint/2010/main">
+    <mc:Choice Requires="p14">
+      <p:transition spd="slow" p14:dur="2000"/>
+    </mc:Choice>
+    <mc:Fallback xmlns="">
+      <p:transition spd="slow"/>
+    </mc:Fallback>
+  </mc:AlternateContent>
   <p:timing>
     <p:tnLst>
       <p:par>
@@ -6711,7 +7039,7 @@
 </p:sld>
 </file>
 
-<file path=ppt/slides/slide18.xml><?xml version="1.0" encoding="utf-8"?>
+<file path=ppt/slides/slide19.xml><?xml version="1.0" encoding="utf-8"?>
 <p:sld xmlns:a="http://schemas.openxmlformats.org/drawingml/2006/main" xmlns:r="http://schemas.openxmlformats.org/officeDocument/2006/relationships" xmlns:p="http://schemas.openxmlformats.org/presentationml/2006/main">
   <p:cSld>
     <p:spTree>
@@ -6746,7 +7074,7 @@
             <a:fld id="{039FCD55-4959-4C66-A625-F7EC859E76BC}" type="datetime1">
               <a:rPr lang="zh-CN" altLang="en-US"/>
               <a:pPr/>
-              <a:t>2015/6/7</a:t>
+              <a:t>2015/6/8</a:t>
             </a:fld>
             <a:endParaRPr lang="en-US" altLang="zh-CN"/>
           </a:p>
@@ -6770,7 +7098,7 @@
             <a:fld id="{44CF7157-C236-44B1-89C1-62C62CFD47D8}" type="slidenum">
               <a:rPr lang="en-US" altLang="zh-CN"/>
               <a:pPr/>
-              <a:t>18</a:t>
+              <a:t>19</a:t>
             </a:fld>
             <a:endParaRPr lang="en-US" altLang="zh-CN"/>
           </a:p>
@@ -6831,6 +7159,14 @@
   <p:clrMapOvr>
     <a:masterClrMapping/>
   </p:clrMapOvr>
+  <mc:AlternateContent xmlns:mc="http://schemas.openxmlformats.org/markup-compatibility/2006" xmlns:p14="http://schemas.microsoft.com/office/powerpoint/2010/main">
+    <mc:Choice Requires="p14">
+      <p:transition spd="slow" p14:dur="2000"/>
+    </mc:Choice>
+    <mc:Fallback xmlns="">
+      <p:transition spd="slow"/>
+    </mc:Fallback>
+  </mc:AlternateContent>
   <p:timing>
     <p:tnLst>
       <p:par>
@@ -6876,7 +7212,7 @@
             <a:fld id="{419B9CE7-2CCB-4A4D-84CB-D247575C77D4}" type="datetime1">
               <a:rPr lang="zh-CN" altLang="en-US"/>
               <a:pPr/>
-              <a:t>2015/6/7</a:t>
+              <a:t>2015/6/8</a:t>
             </a:fld>
             <a:endParaRPr lang="en-US" altLang="zh-CN"/>
           </a:p>
@@ -6979,6 +7315,14 @@
   <p:clrMapOvr>
     <a:masterClrMapping/>
   </p:clrMapOvr>
+  <mc:AlternateContent xmlns:mc="http://schemas.openxmlformats.org/markup-compatibility/2006" xmlns:p14="http://schemas.microsoft.com/office/powerpoint/2010/main">
+    <mc:Choice Requires="p14">
+      <p:transition spd="slow" p14:dur="2000"/>
+    </mc:Choice>
+    <mc:Fallback xmlns="">
+      <p:transition spd="slow"/>
+    </mc:Fallback>
+  </mc:AlternateContent>
   <p:timing>
     <p:tnLst>
       <p:par>
@@ -7024,7 +7368,7 @@
             <a:fld id="{B02B2EC8-CA48-4D11-9E8E-883994500375}" type="datetime1">
               <a:rPr lang="zh-CN" altLang="en-US"/>
               <a:pPr/>
-              <a:t>2015/6/7</a:t>
+              <a:t>2015/6/8</a:t>
             </a:fld>
             <a:endParaRPr lang="en-US" altLang="zh-CN"/>
           </a:p>
@@ -7127,6 +7471,14 @@
   <p:clrMapOvr>
     <a:masterClrMapping/>
   </p:clrMapOvr>
+  <mc:AlternateContent xmlns:mc="http://schemas.openxmlformats.org/markup-compatibility/2006" xmlns:p14="http://schemas.microsoft.com/office/powerpoint/2010/main">
+    <mc:Choice Requires="p14">
+      <p:transition spd="slow" p14:dur="2000"/>
+    </mc:Choice>
+    <mc:Fallback xmlns="">
+      <p:transition spd="slow"/>
+    </mc:Fallback>
+  </mc:AlternateContent>
   <p:timing>
     <p:tnLst>
       <p:par>
@@ -7172,7 +7524,7 @@
             <a:fld id="{E2867401-219C-4EE0-A7BB-671F58FBA7FD}" type="datetime1">
               <a:rPr lang="zh-CN" altLang="en-US"/>
               <a:pPr/>
-              <a:t>2015/6/7</a:t>
+              <a:t>2015/6/8</a:t>
             </a:fld>
             <a:endParaRPr lang="en-US" altLang="zh-CN"/>
           </a:p>
@@ -7275,6 +7627,14 @@
   <p:clrMapOvr>
     <a:masterClrMapping/>
   </p:clrMapOvr>
+  <mc:AlternateContent xmlns:mc="http://schemas.openxmlformats.org/markup-compatibility/2006" xmlns:p14="http://schemas.microsoft.com/office/powerpoint/2010/main">
+    <mc:Choice Requires="p14">
+      <p:transition spd="slow" p14:dur="2000"/>
+    </mc:Choice>
+    <mc:Fallback xmlns="">
+      <p:transition spd="slow"/>
+    </mc:Fallback>
+  </mc:AlternateContent>
   <p:timing>
     <p:tnLst>
       <p:par>
@@ -7347,7 +7707,7 @@
             <a:fld id="{52B0427A-FFE8-449F-BA58-F116173B98DF}" type="datetime1">
               <a:rPr lang="zh-CN" altLang="en-US" smtClean="0"/>
               <a:pPr/>
-              <a:t>2015/6/7</a:t>
+              <a:t>2015/6/8</a:t>
             </a:fld>
             <a:endParaRPr lang="en-US" altLang="zh-CN"/>
           </a:p>
@@ -7428,6 +7788,14 @@
   <p:clrMapOvr>
     <a:masterClrMapping/>
   </p:clrMapOvr>
+  <mc:AlternateContent xmlns:mc="http://schemas.openxmlformats.org/markup-compatibility/2006" xmlns:p14="http://schemas.microsoft.com/office/powerpoint/2010/main">
+    <mc:Choice Requires="p14">
+      <p:transition spd="slow" p14:dur="2000"/>
+    </mc:Choice>
+    <mc:Fallback xmlns="">
+      <p:transition spd="slow"/>
+    </mc:Fallback>
+  </mc:AlternateContent>
   <p:timing>
     <p:tnLst>
       <p:par>
@@ -7505,7 +7873,7 @@
             <a:fld id="{52B0427A-FFE8-449F-BA58-F116173B98DF}" type="datetime1">
               <a:rPr lang="zh-CN" altLang="en-US" smtClean="0"/>
               <a:pPr/>
-              <a:t>2015/6/7</a:t>
+              <a:t>2015/6/8</a:t>
             </a:fld>
             <a:endParaRPr lang="en-US" altLang="zh-CN"/>
           </a:p>
@@ -7586,6 +7954,14 @@
   <p:clrMapOvr>
     <a:masterClrMapping/>
   </p:clrMapOvr>
+  <mc:AlternateContent xmlns:mc="http://schemas.openxmlformats.org/markup-compatibility/2006" xmlns:p14="http://schemas.microsoft.com/office/powerpoint/2010/main">
+    <mc:Choice Requires="p14">
+      <p:transition spd="slow" p14:dur="2000"/>
+    </mc:Choice>
+    <mc:Fallback xmlns="">
+      <p:transition spd="slow"/>
+    </mc:Fallback>
+  </mc:AlternateContent>
   <p:timing>
     <p:tnLst>
       <p:par>
@@ -7615,6 +7991,483 @@
       </p:grpSpPr>
       <p:sp>
         <p:nvSpPr>
+          <p:cNvPr id="2" name="标题 1"/>
+          <p:cNvSpPr>
+            <a:spLocks noGrp="1"/>
+          </p:cNvSpPr>
+          <p:nvPr>
+            <p:ph type="title"/>
+          </p:nvPr>
+        </p:nvSpPr>
+        <p:spPr>
+          <a:xfrm>
+            <a:off x="1042988" y="404813"/>
+            <a:ext cx="6985396" cy="576262"/>
+          </a:xfrm>
+        </p:spPr>
+        <p:txBody>
+          <a:bodyPr/>
+          <a:lstStyle/>
+          <a:p>
+            <a:r>
+              <a:rPr lang="zh-CN" altLang="en-US" dirty="0" smtClean="0"/>
+              <a:t>基于</a:t>
+            </a:r>
+            <a:r>
+              <a:rPr lang="en-US" altLang="zh-CN" dirty="0" smtClean="0"/>
+              <a:t>Hadoop</a:t>
+            </a:r>
+            <a:r>
+              <a:rPr lang="zh-CN" altLang="en-US" dirty="0" smtClean="0"/>
+              <a:t>的并行</a:t>
+            </a:r>
+            <a:r>
+              <a:rPr lang="en-US" altLang="zh-CN" dirty="0" smtClean="0"/>
+              <a:t>K-means</a:t>
+            </a:r>
+            <a:r>
+              <a:rPr lang="zh-CN" altLang="en-US" dirty="0" smtClean="0"/>
+              <a:t>算法设计</a:t>
+            </a:r>
+            <a:endParaRPr lang="zh-CN" altLang="en-US" dirty="0"/>
+          </a:p>
+        </p:txBody>
+      </p:sp>
+      <p:sp>
+        <p:nvSpPr>
+          <p:cNvPr id="3" name="内容占位符 2"/>
+          <p:cNvSpPr>
+            <a:spLocks noGrp="1"/>
+          </p:cNvSpPr>
+          <p:nvPr>
+            <p:ph idx="1"/>
+          </p:nvPr>
+        </p:nvSpPr>
+        <p:spPr/>
+        <p:txBody>
+          <a:bodyPr/>
+          <a:lstStyle/>
+          <a:p>
+            <a:r>
+              <a:rPr lang="en-US" altLang="zh-CN" dirty="0" smtClean="0"/>
+              <a:t>Map </a:t>
+            </a:r>
+            <a:r>
+              <a:rPr lang="zh-CN" altLang="en-US" dirty="0" smtClean="0"/>
+              <a:t>函数实现</a:t>
+            </a:r>
+            <a:endParaRPr lang="en-US" altLang="zh-CN" dirty="0" smtClean="0"/>
+          </a:p>
+          <a:p>
+            <a:pPr lvl="1"/>
+            <a:r>
+              <a:rPr lang="zh-CN" altLang="en-US" dirty="0" smtClean="0"/>
+              <a:t>输入</a:t>
+            </a:r>
+            <a:r>
+              <a:rPr lang="en-US" altLang="zh-CN" dirty="0" smtClean="0"/>
+              <a:t>Key:</a:t>
+            </a:r>
+            <a:r>
+              <a:rPr lang="zh-CN" altLang="en-US" dirty="0" smtClean="0"/>
+              <a:t>数据对象相对于起始位置的偏移</a:t>
+            </a:r>
+            <a:endParaRPr lang="en-US" altLang="zh-CN" dirty="0" smtClean="0"/>
+          </a:p>
+          <a:p>
+            <a:pPr lvl="1"/>
+            <a:r>
+              <a:rPr lang="zh-CN" altLang="en-US" dirty="0" smtClean="0"/>
+              <a:t>输入</a:t>
+            </a:r>
+            <a:r>
+              <a:rPr lang="en-US" altLang="zh-CN" dirty="0" smtClean="0"/>
+              <a:t>Value:</a:t>
+            </a:r>
+            <a:r>
+              <a:rPr lang="zh-CN" altLang="en-US" dirty="0" smtClean="0"/>
+              <a:t>当前数据对象的坐标</a:t>
+            </a:r>
+            <a:endParaRPr lang="en-US" altLang="zh-CN" dirty="0" smtClean="0"/>
+          </a:p>
+          <a:p>
+            <a:pPr lvl="1"/>
+            <a:r>
+              <a:rPr lang="zh-CN" altLang="en-US" dirty="0" smtClean="0"/>
+              <a:t>输出</a:t>
+            </a:r>
+            <a:r>
+              <a:rPr lang="en-US" altLang="zh-CN" dirty="0" smtClean="0"/>
+              <a:t>Key:</a:t>
+            </a:r>
+            <a:r>
+              <a:rPr lang="zh-CN" altLang="en-US" dirty="0" smtClean="0"/>
+              <a:t>与该数据对象距离最近的分区中心</a:t>
+            </a:r>
+            <a:r>
+              <a:rPr lang="en-US" altLang="zh-CN" dirty="0" smtClean="0"/>
+              <a:t>ID</a:t>
+            </a:r>
+          </a:p>
+          <a:p>
+            <a:pPr lvl="1"/>
+            <a:r>
+              <a:rPr lang="zh-CN" altLang="en-US" dirty="0" smtClean="0"/>
+              <a:t>输出</a:t>
+            </a:r>
+            <a:r>
+              <a:rPr lang="en-US" altLang="zh-CN" dirty="0" smtClean="0"/>
+              <a:t>Value:</a:t>
+            </a:r>
+            <a:r>
+              <a:rPr lang="zh-CN" altLang="en-US" dirty="0" smtClean="0"/>
+              <a:t>当前数据对象的坐标</a:t>
+            </a:r>
+            <a:endParaRPr lang="en-US" altLang="zh-CN" dirty="0" smtClean="0"/>
+          </a:p>
+          <a:p>
+            <a:r>
+              <a:rPr lang="en-US" altLang="zh-CN" dirty="0" smtClean="0"/>
+              <a:t>Reduce</a:t>
+            </a:r>
+            <a:r>
+              <a:rPr lang="zh-CN" altLang="en-US" dirty="0" smtClean="0"/>
+              <a:t>函数设计</a:t>
+            </a:r>
+            <a:endParaRPr lang="en-US" altLang="zh-CN" dirty="0" smtClean="0"/>
+          </a:p>
+          <a:p>
+            <a:pPr lvl="1"/>
+            <a:r>
+              <a:rPr lang="zh-CN" altLang="en-US" dirty="0" smtClean="0"/>
+              <a:t>输入</a:t>
+            </a:r>
+            <a:r>
+              <a:rPr lang="en-US" altLang="zh-CN" dirty="0" smtClean="0"/>
+              <a:t>Key:</a:t>
+            </a:r>
+          </a:p>
+          <a:p>
+            <a:pPr lvl="1"/>
+            <a:r>
+              <a:rPr lang="zh-CN" altLang="en-US" dirty="0" smtClean="0"/>
+              <a:t>输入</a:t>
+            </a:r>
+            <a:r>
+              <a:rPr lang="en-US" altLang="zh-CN" dirty="0" smtClean="0"/>
+              <a:t>Value:</a:t>
+            </a:r>
+          </a:p>
+          <a:p>
+            <a:pPr lvl="1"/>
+            <a:r>
+              <a:rPr lang="zh-CN" altLang="en-US" dirty="0" smtClean="0"/>
+              <a:t>聚合相同中心</a:t>
+            </a:r>
+            <a:r>
+              <a:rPr lang="en-US" altLang="zh-CN" dirty="0" smtClean="0"/>
+              <a:t>ID</a:t>
+            </a:r>
+            <a:r>
+              <a:rPr lang="zh-CN" altLang="en-US" dirty="0" smtClean="0"/>
+              <a:t>的数据对象，求解新的分区中心</a:t>
+            </a:r>
+            <a:endParaRPr lang="zh-CN" altLang="en-US" dirty="0"/>
+          </a:p>
+        </p:txBody>
+      </p:sp>
+      <p:sp>
+        <p:nvSpPr>
+          <p:cNvPr id="4" name="日期占位符 3"/>
+          <p:cNvSpPr>
+            <a:spLocks noGrp="1"/>
+          </p:cNvSpPr>
+          <p:nvPr>
+            <p:ph type="dt" sz="half" idx="10"/>
+          </p:nvPr>
+        </p:nvSpPr>
+        <p:spPr/>
+        <p:txBody>
+          <a:bodyPr/>
+          <a:lstStyle/>
+          <a:p>
+            <a:fld id="{52B0427A-FFE8-449F-BA58-F116173B98DF}" type="datetime1">
+              <a:rPr lang="zh-CN" altLang="en-US" smtClean="0"/>
+              <a:pPr/>
+              <a:t>2015/6/8</a:t>
+            </a:fld>
+            <a:endParaRPr lang="en-US" altLang="zh-CN"/>
+          </a:p>
+        </p:txBody>
+      </p:sp>
+      <p:sp>
+        <p:nvSpPr>
+          <p:cNvPr id="5" name="灯片编号占位符 4"/>
+          <p:cNvSpPr>
+            <a:spLocks noGrp="1"/>
+          </p:cNvSpPr>
+          <p:nvPr>
+            <p:ph type="sldNum" sz="quarter" idx="12"/>
+          </p:nvPr>
+        </p:nvSpPr>
+        <p:spPr/>
+        <p:txBody>
+          <a:bodyPr/>
+          <a:lstStyle/>
+          <a:p>
+            <a:fld id="{DA84710E-0108-4E0C-AD6A-007BF2AA2D93}" type="slidenum">
+              <a:rPr lang="en-US" altLang="zh-CN" smtClean="0"/>
+              <a:pPr/>
+              <a:t>7</a:t>
+            </a:fld>
+            <a:endParaRPr lang="en-US" altLang="zh-CN"/>
+          </a:p>
+        </p:txBody>
+      </p:sp>
+    </p:spTree>
+    <p:extLst>
+      <p:ext uri="{BB962C8B-B14F-4D97-AF65-F5344CB8AC3E}">
+        <p14:creationId xmlns:p14="http://schemas.microsoft.com/office/powerpoint/2010/main" val="1648900156"/>
+      </p:ext>
+    </p:extLst>
+  </p:cSld>
+  <p:clrMapOvr>
+    <a:masterClrMapping/>
+  </p:clrMapOvr>
+  <p:timing>
+    <p:tnLst>
+      <p:par>
+        <p:cTn id="1" dur="indefinite" restart="never" nodeType="tmRoot"/>
+      </p:par>
+    </p:tnLst>
+  </p:timing>
+</p:sld>
+</file>
+
+<file path=ppt/slides/slide8.xml><?xml version="1.0" encoding="utf-8"?>
+<p:sld xmlns:a="http://schemas.openxmlformats.org/drawingml/2006/main" xmlns:r="http://schemas.openxmlformats.org/officeDocument/2006/relationships" xmlns:p="http://schemas.openxmlformats.org/presentationml/2006/main">
+  <p:cSld>
+    <p:spTree>
+      <p:nvGrpSpPr>
+        <p:cNvPr id="1" name=""/>
+        <p:cNvGrpSpPr/>
+        <p:nvPr/>
+      </p:nvGrpSpPr>
+      <p:grpSpPr>
+        <a:xfrm>
+          <a:off x="0" y="0"/>
+          <a:ext cx="0" cy="0"/>
+          <a:chOff x="0" y="0"/>
+          <a:chExt cx="0" cy="0"/>
+        </a:xfrm>
+      </p:grpSpPr>
+      <p:sp>
+        <p:nvSpPr>
+          <p:cNvPr id="2" name="标题 1"/>
+          <p:cNvSpPr>
+            <a:spLocks noGrp="1"/>
+          </p:cNvSpPr>
+          <p:nvPr>
+            <p:ph type="title"/>
+          </p:nvPr>
+        </p:nvSpPr>
+        <p:spPr/>
+        <p:txBody>
+          <a:bodyPr/>
+          <a:lstStyle/>
+          <a:p>
+            <a:r>
+              <a:rPr lang="zh-CN" altLang="en-US" dirty="0" smtClean="0"/>
+              <a:t>基于</a:t>
+            </a:r>
+            <a:r>
+              <a:rPr lang="en-US" altLang="zh-CN" dirty="0" smtClean="0"/>
+              <a:t>MPI</a:t>
+            </a:r>
+            <a:r>
+              <a:rPr lang="zh-CN" altLang="en-US" dirty="0" smtClean="0"/>
+              <a:t>的</a:t>
+            </a:r>
+            <a:r>
+              <a:rPr lang="en-US" altLang="zh-CN" dirty="0" smtClean="0"/>
+              <a:t>K-means</a:t>
+            </a:r>
+            <a:r>
+              <a:rPr lang="zh-CN" altLang="en-US" dirty="0" smtClean="0"/>
+              <a:t>算法设计</a:t>
+            </a:r>
+            <a:endParaRPr lang="zh-CN" altLang="en-US" dirty="0"/>
+          </a:p>
+        </p:txBody>
+      </p:sp>
+      <p:sp>
+        <p:nvSpPr>
+          <p:cNvPr id="3" name="内容占位符 2"/>
+          <p:cNvSpPr>
+            <a:spLocks noGrp="1"/>
+          </p:cNvSpPr>
+          <p:nvPr>
+            <p:ph idx="1"/>
+          </p:nvPr>
+        </p:nvSpPr>
+        <p:spPr/>
+        <p:txBody>
+          <a:bodyPr/>
+          <a:lstStyle/>
+          <a:p>
+            <a:r>
+              <a:rPr lang="zh-CN" altLang="en-US" dirty="0" smtClean="0"/>
+              <a:t>主进程</a:t>
+            </a:r>
+            <a:endParaRPr lang="en-US" altLang="zh-CN" dirty="0" smtClean="0"/>
+          </a:p>
+          <a:p>
+            <a:pPr lvl="1"/>
+            <a:r>
+              <a:rPr lang="zh-CN" altLang="en-US" dirty="0" smtClean="0"/>
+              <a:t>初始化</a:t>
+            </a:r>
+            <a:r>
+              <a:rPr lang="en-US" altLang="zh-CN" dirty="0" smtClean="0"/>
+              <a:t>MPI</a:t>
+            </a:r>
+            <a:r>
+              <a:rPr lang="zh-CN" altLang="en-US" dirty="0" smtClean="0"/>
+              <a:t>进程环境，检查文件合法性，检测集群状态</a:t>
+            </a:r>
+            <a:endParaRPr lang="en-US" altLang="zh-CN" dirty="0" smtClean="0"/>
+          </a:p>
+          <a:p>
+            <a:pPr lvl="1"/>
+            <a:r>
+              <a:rPr lang="zh-CN" altLang="en-US" dirty="0" smtClean="0"/>
+              <a:t>读取数据对象文件，划分数据对象给不同从进程</a:t>
+            </a:r>
+            <a:endParaRPr lang="en-US" altLang="zh-CN" dirty="0" smtClean="0"/>
+          </a:p>
+          <a:p>
+            <a:r>
+              <a:rPr lang="zh-CN" altLang="en-US" dirty="0" smtClean="0"/>
+              <a:t>从进程</a:t>
+            </a:r>
+            <a:endParaRPr lang="en-US" altLang="zh-CN" dirty="0" smtClean="0"/>
+          </a:p>
+          <a:p>
+            <a:pPr lvl="1"/>
+            <a:r>
+              <a:rPr lang="zh-CN" altLang="en-US" dirty="0" smtClean="0"/>
+              <a:t>接受划分的数据对象，分别计算每个数据对象到分区中心的欧式距离，找到距离最近的分区中心</a:t>
+            </a:r>
+            <a:r>
+              <a:rPr lang="en-US" altLang="zh-CN" dirty="0" smtClean="0"/>
+              <a:t>ID</a:t>
+            </a:r>
+          </a:p>
+          <a:p>
+            <a:pPr lvl="1"/>
+            <a:r>
+              <a:rPr lang="zh-CN" altLang="en-US" dirty="0" smtClean="0"/>
+              <a:t>进行一次</a:t>
+            </a:r>
+            <a:r>
+              <a:rPr lang="en-US" altLang="zh-CN" dirty="0" err="1" smtClean="0"/>
+              <a:t>MPI_Reduce</a:t>
+            </a:r>
+            <a:r>
+              <a:rPr lang="zh-CN" altLang="en-US" dirty="0" smtClean="0"/>
+              <a:t>，找到所有距离同一分区中心最近的数据对象，根据它们的坐标计算新的分区中心</a:t>
+            </a:r>
+            <a:endParaRPr lang="zh-CN" altLang="en-US" dirty="0"/>
+          </a:p>
+        </p:txBody>
+      </p:sp>
+      <p:sp>
+        <p:nvSpPr>
+          <p:cNvPr id="4" name="日期占位符 3"/>
+          <p:cNvSpPr>
+            <a:spLocks noGrp="1"/>
+          </p:cNvSpPr>
+          <p:nvPr>
+            <p:ph type="dt" sz="half" idx="10"/>
+          </p:nvPr>
+        </p:nvSpPr>
+        <p:spPr/>
+        <p:txBody>
+          <a:bodyPr/>
+          <a:lstStyle/>
+          <a:p>
+            <a:fld id="{52B0427A-FFE8-449F-BA58-F116173B98DF}" type="datetime1">
+              <a:rPr lang="zh-CN" altLang="en-US" smtClean="0"/>
+              <a:pPr/>
+              <a:t>2015/6/8</a:t>
+            </a:fld>
+            <a:endParaRPr lang="en-US" altLang="zh-CN"/>
+          </a:p>
+        </p:txBody>
+      </p:sp>
+      <p:sp>
+        <p:nvSpPr>
+          <p:cNvPr id="5" name="灯片编号占位符 4"/>
+          <p:cNvSpPr>
+            <a:spLocks noGrp="1"/>
+          </p:cNvSpPr>
+          <p:nvPr>
+            <p:ph type="sldNum" sz="quarter" idx="12"/>
+          </p:nvPr>
+        </p:nvSpPr>
+        <p:spPr/>
+        <p:txBody>
+          <a:bodyPr/>
+          <a:lstStyle/>
+          <a:p>
+            <a:fld id="{DA84710E-0108-4E0C-AD6A-007BF2AA2D93}" type="slidenum">
+              <a:rPr lang="en-US" altLang="zh-CN" smtClean="0"/>
+              <a:pPr/>
+              <a:t>8</a:t>
+            </a:fld>
+            <a:endParaRPr lang="en-US" altLang="zh-CN"/>
+          </a:p>
+        </p:txBody>
+      </p:sp>
+    </p:spTree>
+    <p:extLst>
+      <p:ext uri="{BB962C8B-B14F-4D97-AF65-F5344CB8AC3E}">
+        <p14:creationId xmlns:p14="http://schemas.microsoft.com/office/powerpoint/2010/main" val="1648670949"/>
+      </p:ext>
+    </p:extLst>
+  </p:cSld>
+  <p:clrMapOvr>
+    <a:masterClrMapping/>
+  </p:clrMapOvr>
+  <p:timing>
+    <p:tnLst>
+      <p:par>
+        <p:cTn id="1" dur="indefinite" restart="never" nodeType="tmRoot"/>
+      </p:par>
+    </p:tnLst>
+  </p:timing>
+</p:sld>
+</file>
+
+<file path=ppt/slides/slide9.xml><?xml version="1.0" encoding="utf-8"?>
+<p:sld xmlns:a="http://schemas.openxmlformats.org/drawingml/2006/main" xmlns:r="http://schemas.openxmlformats.org/officeDocument/2006/relationships" xmlns:p="http://schemas.openxmlformats.org/presentationml/2006/main">
+  <p:cSld>
+    <p:spTree>
+      <p:nvGrpSpPr>
+        <p:cNvPr id="1" name=""/>
+        <p:cNvGrpSpPr/>
+        <p:nvPr/>
+      </p:nvGrpSpPr>
+      <p:grpSpPr>
+        <a:xfrm>
+          <a:off x="0" y="0"/>
+          <a:ext cx="0" cy="0"/>
+          <a:chOff x="0" y="0"/>
+          <a:chExt cx="0" cy="0"/>
+        </a:xfrm>
+      </p:grpSpPr>
+      <p:sp>
+        <p:nvSpPr>
           <p:cNvPr id="4" name="日期占位符 3"/>
           <p:cNvSpPr>
             <a:spLocks noGrp="1"/>
@@ -7631,7 +8484,7 @@
             <a:fld id="{D10BD547-A8E3-4B5A-8BF0-109E2F51E1A1}" type="datetime1">
               <a:rPr lang="zh-CN" altLang="en-US"/>
               <a:pPr/>
-              <a:t>2015/6/7</a:t>
+              <a:t>2015/6/8</a:t>
             </a:fld>
             <a:endParaRPr lang="en-US" altLang="zh-CN"/>
           </a:p>
@@ -7655,7 +8508,7 @@
             <a:fld id="{2AF01C9A-3D95-459A-8644-AD0B732EAD90}" type="slidenum">
               <a:rPr lang="en-US" altLang="zh-CN"/>
               <a:pPr/>
-              <a:t>7</a:t>
+              <a:t>9</a:t>
             </a:fld>
             <a:endParaRPr lang="en-US" altLang="zh-CN"/>
           </a:p>
@@ -7762,358 +8615,14 @@
   <p:clrMapOvr>
     <a:masterClrMapping/>
   </p:clrMapOvr>
-  <p:timing>
-    <p:tnLst>
-      <p:par>
-        <p:cTn id="1" dur="indefinite" restart="never" nodeType="tmRoot"/>
-      </p:par>
-    </p:tnLst>
-  </p:timing>
-</p:sld>
-</file>
-
-<file path=ppt/slides/slide8.xml><?xml version="1.0" encoding="utf-8"?>
-<p:sld xmlns:a="http://schemas.openxmlformats.org/drawingml/2006/main" xmlns:r="http://schemas.openxmlformats.org/officeDocument/2006/relationships" xmlns:p="http://schemas.openxmlformats.org/presentationml/2006/main">
-  <p:cSld>
-    <p:spTree>
-      <p:nvGrpSpPr>
-        <p:cNvPr id="1" name=""/>
-        <p:cNvGrpSpPr/>
-        <p:nvPr/>
-      </p:nvGrpSpPr>
-      <p:grpSpPr>
-        <a:xfrm>
-          <a:off x="0" y="0"/>
-          <a:ext cx="0" cy="0"/>
-          <a:chOff x="0" y="0"/>
-          <a:chExt cx="0" cy="0"/>
-        </a:xfrm>
-      </p:grpSpPr>
-      <p:sp>
-        <p:nvSpPr>
-          <p:cNvPr id="4" name="日期占位符 3"/>
-          <p:cNvSpPr>
-            <a:spLocks noGrp="1"/>
-          </p:cNvSpPr>
-          <p:nvPr>
-            <p:ph type="dt" sz="half" idx="10"/>
-          </p:nvPr>
-        </p:nvSpPr>
-        <p:spPr/>
-        <p:txBody>
-          <a:bodyPr/>
-          <a:lstStyle/>
-          <a:p>
-            <a:fld id="{B71E85FB-95B2-4EA3-84C0-EFECAC085A52}" type="datetime1">
-              <a:rPr lang="zh-CN" altLang="en-US"/>
-              <a:pPr/>
-              <a:t>2015/6/7</a:t>
-            </a:fld>
-            <a:endParaRPr lang="en-US" altLang="zh-CN"/>
-          </a:p>
-        </p:txBody>
-      </p:sp>
-      <p:sp>
-        <p:nvSpPr>
-          <p:cNvPr id="5" name="灯片编号占位符 5"/>
-          <p:cNvSpPr>
-            <a:spLocks noGrp="1"/>
-          </p:cNvSpPr>
-          <p:nvPr>
-            <p:ph type="sldNum" sz="quarter" idx="12"/>
-          </p:nvPr>
-        </p:nvSpPr>
-        <p:spPr/>
-        <p:txBody>
-          <a:bodyPr/>
-          <a:lstStyle/>
-          <a:p>
-            <a:fld id="{95089377-D443-4E24-B266-05D28E4B2F78}" type="slidenum">
-              <a:rPr lang="en-US" altLang="zh-CN"/>
-              <a:pPr/>
-              <a:t>8</a:t>
-            </a:fld>
-            <a:endParaRPr lang="en-US" altLang="zh-CN"/>
-          </a:p>
-        </p:txBody>
-      </p:sp>
-      <p:sp>
-        <p:nvSpPr>
-          <p:cNvPr id="329730" name="Rectangle 2"/>
-          <p:cNvSpPr>
-            <a:spLocks noGrp="1" noChangeArrowheads="1"/>
-          </p:cNvSpPr>
-          <p:nvPr>
-            <p:ph type="title"/>
-          </p:nvPr>
-        </p:nvSpPr>
-        <p:spPr>
-          <a:xfrm>
-            <a:off x="1042988" y="404813"/>
-            <a:ext cx="5833268" cy="576262"/>
-          </a:xfrm>
-        </p:spPr>
-        <p:txBody>
-          <a:bodyPr/>
-          <a:lstStyle/>
-          <a:p>
-            <a:r>
-              <a:rPr lang="en-US" altLang="zh-CN" sz="2800" dirty="0"/>
-              <a:t>Hadoop</a:t>
-            </a:r>
-            <a:r>
-              <a:rPr lang="zh-CN" altLang="zh-CN" sz="2800" dirty="0"/>
-              <a:t>计算时间与数据规模关系图</a:t>
-            </a:r>
-            <a:endParaRPr lang="en-US" altLang="zh-CN" sz="2800" b="1" dirty="0"/>
-          </a:p>
-        </p:txBody>
-      </p:sp>
-      <p:pic>
-        <p:nvPicPr>
-          <p:cNvPr id="328706" name="Picture 2"/>
-          <p:cNvPicPr>
-            <a:picLocks noChangeAspect="1" noChangeArrowheads="1"/>
-          </p:cNvPicPr>
-          <p:nvPr/>
-        </p:nvPicPr>
-        <p:blipFill>
-          <a:blip r:embed="rId2">
-            <a:extLst>
-              <a:ext uri="{28A0092B-C50C-407E-A947-70E740481C1C}">
-                <a14:useLocalDpi xmlns:a14="http://schemas.microsoft.com/office/drawing/2010/main" val="0"/>
-              </a:ext>
-            </a:extLst>
-          </a:blip>
-          <a:srcRect/>
-          <a:stretch>
-            <a:fillRect/>
-          </a:stretch>
-        </p:blipFill>
-        <p:spPr bwMode="auto">
-          <a:xfrm>
-            <a:off x="827584" y="1412776"/>
-            <a:ext cx="7558925" cy="4531486"/>
-          </a:xfrm>
-          <a:prstGeom prst="rect">
-            <a:avLst/>
-          </a:prstGeom>
-          <a:noFill/>
-          <a:ln>
-            <a:noFill/>
-          </a:ln>
-          <a:effectLst/>
-          <a:extLst>
-            <a:ext uri="{909E8E84-426E-40DD-AFC4-6F175D3DCCD1}">
-              <a14:hiddenFill xmlns:a14="http://schemas.microsoft.com/office/drawing/2010/main">
-                <a:solidFill>
-                  <a:schemeClr val="accent1"/>
-                </a:solidFill>
-              </a14:hiddenFill>
-            </a:ext>
-            <a:ext uri="{91240B29-F687-4F45-9708-019B960494DF}">
-              <a14:hiddenLine xmlns:a14="http://schemas.microsoft.com/office/drawing/2010/main" w="9525">
-                <a:solidFill>
-                  <a:schemeClr val="tx1"/>
-                </a:solidFill>
-                <a:miter lim="800000"/>
-                <a:headEnd/>
-                <a:tailEnd/>
-              </a14:hiddenLine>
-            </a:ext>
-            <a:ext uri="{AF507438-7753-43E0-B8FC-AC1667EBCBE1}">
-              <a14:hiddenEffects xmlns:a14="http://schemas.microsoft.com/office/drawing/2010/main">
-                <a:effectLst>
-                  <a:outerShdw dist="35921" dir="2700000" algn="ctr" rotWithShape="0">
-                    <a:schemeClr val="bg2"/>
-                  </a:outerShdw>
-                </a:effectLst>
-              </a14:hiddenEffects>
-            </a:ext>
-          </a:extLst>
-        </p:spPr>
-      </p:pic>
-    </p:spTree>
-  </p:cSld>
-  <p:clrMapOvr>
-    <a:masterClrMapping/>
-  </p:clrMapOvr>
-  <p:timing>
-    <p:tnLst>
-      <p:par>
-        <p:cTn id="1" dur="indefinite" restart="never" nodeType="tmRoot"/>
-      </p:par>
-    </p:tnLst>
-  </p:timing>
-</p:sld>
-</file>
-
-<file path=ppt/slides/slide9.xml><?xml version="1.0" encoding="utf-8"?>
-<p:sld xmlns:a="http://schemas.openxmlformats.org/drawingml/2006/main" xmlns:r="http://schemas.openxmlformats.org/officeDocument/2006/relationships" xmlns:p="http://schemas.openxmlformats.org/presentationml/2006/main">
-  <p:cSld>
-    <p:spTree>
-      <p:nvGrpSpPr>
-        <p:cNvPr id="1" name=""/>
-        <p:cNvGrpSpPr/>
-        <p:nvPr/>
-      </p:nvGrpSpPr>
-      <p:grpSpPr>
-        <a:xfrm>
-          <a:off x="0" y="0"/>
-          <a:ext cx="0" cy="0"/>
-          <a:chOff x="0" y="0"/>
-          <a:chExt cx="0" cy="0"/>
-        </a:xfrm>
-      </p:grpSpPr>
-      <p:sp>
-        <p:nvSpPr>
-          <p:cNvPr id="4" name="日期占位符 3"/>
-          <p:cNvSpPr>
-            <a:spLocks noGrp="1"/>
-          </p:cNvSpPr>
-          <p:nvPr>
-            <p:ph type="dt" sz="half" idx="10"/>
-          </p:nvPr>
-        </p:nvSpPr>
-        <p:spPr/>
-        <p:txBody>
-          <a:bodyPr/>
-          <a:lstStyle/>
-          <a:p>
-            <a:fld id="{188EEC18-0DC4-4D75-82E3-4EF8FB6BCA5E}" type="datetime1">
-              <a:rPr lang="zh-CN" altLang="en-US"/>
-              <a:pPr/>
-              <a:t>2015/6/7</a:t>
-            </a:fld>
-            <a:endParaRPr lang="en-US" altLang="zh-CN"/>
-          </a:p>
-        </p:txBody>
-      </p:sp>
-      <p:sp>
-        <p:nvSpPr>
-          <p:cNvPr id="5" name="灯片编号占位符 5"/>
-          <p:cNvSpPr>
-            <a:spLocks noGrp="1"/>
-          </p:cNvSpPr>
-          <p:nvPr>
-            <p:ph type="sldNum" sz="quarter" idx="12"/>
-          </p:nvPr>
-        </p:nvSpPr>
-        <p:spPr/>
-        <p:txBody>
-          <a:bodyPr/>
-          <a:lstStyle/>
-          <a:p>
-            <a:fld id="{A6516C2F-85E9-4319-8AF7-6450CC137A6E}" type="slidenum">
-              <a:rPr lang="en-US" altLang="zh-CN"/>
-              <a:pPr/>
-              <a:t>9</a:t>
-            </a:fld>
-            <a:endParaRPr lang="en-US" altLang="zh-CN"/>
-          </a:p>
-        </p:txBody>
-      </p:sp>
-      <p:sp>
-        <p:nvSpPr>
-          <p:cNvPr id="324610" name="Rectangle 2"/>
-          <p:cNvSpPr>
-            <a:spLocks noGrp="1" noChangeArrowheads="1"/>
-          </p:cNvSpPr>
-          <p:nvPr>
-            <p:ph type="title"/>
-          </p:nvPr>
-        </p:nvSpPr>
-        <p:spPr>
-          <a:xfrm>
-            <a:off x="971598" y="404664"/>
-            <a:ext cx="6985396" cy="576262"/>
-          </a:xfrm>
-        </p:spPr>
-        <p:txBody>
-          <a:bodyPr/>
-          <a:lstStyle/>
-          <a:p>
-            <a:r>
-              <a:rPr lang="en-US" altLang="zh-CN" sz="2800" dirty="0"/>
-              <a:t>Hadoop</a:t>
-            </a:r>
-            <a:r>
-              <a:rPr lang="zh-CN" altLang="zh-CN" sz="2800" dirty="0"/>
-              <a:t>计算时间的对数与数据规模关系图</a:t>
-            </a:r>
-            <a:endParaRPr lang="en-US" altLang="zh-CN" sz="2800" b="1" dirty="0"/>
-          </a:p>
-        </p:txBody>
-      </p:sp>
-      <p:pic>
-        <p:nvPicPr>
-          <p:cNvPr id="329730" name="Picture 2"/>
-          <p:cNvPicPr>
-            <a:picLocks noChangeAspect="1" noChangeArrowheads="1"/>
-          </p:cNvPicPr>
-          <p:nvPr/>
-        </p:nvPicPr>
-        <p:blipFill>
-          <a:blip r:embed="rId2">
-            <a:extLst>
-              <a:ext uri="{28A0092B-C50C-407E-A947-70E740481C1C}">
-                <a14:useLocalDpi xmlns:a14="http://schemas.microsoft.com/office/drawing/2010/main" val="0"/>
-              </a:ext>
-            </a:extLst>
-          </a:blip>
-          <a:srcRect/>
-          <a:stretch>
-            <a:fillRect/>
-          </a:stretch>
-        </p:blipFill>
-        <p:spPr bwMode="auto">
-          <a:xfrm>
-            <a:off x="971598" y="1412776"/>
-            <a:ext cx="7504211" cy="4560211"/>
-          </a:xfrm>
-          <a:prstGeom prst="rect">
-            <a:avLst/>
-          </a:prstGeom>
-          <a:noFill/>
-          <a:ln>
-            <a:noFill/>
-          </a:ln>
-          <a:effectLst/>
-          <a:extLst>
-            <a:ext uri="{909E8E84-426E-40DD-AFC4-6F175D3DCCD1}">
-              <a14:hiddenFill xmlns:a14="http://schemas.microsoft.com/office/drawing/2010/main">
-                <a:solidFill>
-                  <a:schemeClr val="accent1"/>
-                </a:solidFill>
-              </a14:hiddenFill>
-            </a:ext>
-            <a:ext uri="{91240B29-F687-4F45-9708-019B960494DF}">
-              <a14:hiddenLine xmlns:a14="http://schemas.microsoft.com/office/drawing/2010/main" w="9525">
-                <a:solidFill>
-                  <a:schemeClr val="tx1"/>
-                </a:solidFill>
-                <a:miter lim="800000"/>
-                <a:headEnd/>
-                <a:tailEnd/>
-              </a14:hiddenLine>
-            </a:ext>
-            <a:ext uri="{AF507438-7753-43E0-B8FC-AC1667EBCBE1}">
-              <a14:hiddenEffects xmlns:a14="http://schemas.microsoft.com/office/drawing/2010/main">
-                <a:effectLst>
-                  <a:outerShdw dist="35921" dir="2700000" algn="ctr" rotWithShape="0">
-                    <a:schemeClr val="bg2"/>
-                  </a:outerShdw>
-                </a:effectLst>
-              </a14:hiddenEffects>
-            </a:ext>
-          </a:extLst>
-        </p:spPr>
-      </p:pic>
-    </p:spTree>
-  </p:cSld>
-  <p:clrMapOvr>
-    <a:masterClrMapping/>
-  </p:clrMapOvr>
+  <mc:AlternateContent xmlns:mc="http://schemas.openxmlformats.org/markup-compatibility/2006" xmlns:p14="http://schemas.microsoft.com/office/powerpoint/2010/main">
+    <mc:Choice Requires="p14">
+      <p:transition spd="slow" p14:dur="2000"/>
+    </mc:Choice>
+    <mc:Fallback xmlns="">
+      <p:transition spd="slow"/>
+    </mc:Fallback>
+  </mc:AlternateContent>
   <p:timing>
     <p:tnLst>
       <p:par>
